--- a/3 am/بناء المشاريع 3/2 الرسم بالقلم/cours 16/عرض الدرس.pptx
+++ b/3 am/بناء المشاريع 3/2 الرسم بالقلم/cours 16/عرض الدرس.pptx
@@ -7,10 +7,12 @@
   <p:sldIdLst>
     <p:sldId id="263" r:id="rId2"/>
     <p:sldId id="271" r:id="rId3"/>
-    <p:sldId id="264" r:id="rId4"/>
-    <p:sldId id="270" r:id="rId5"/>
-    <p:sldId id="260" r:id="rId6"/>
-    <p:sldId id="269" r:id="rId7"/>
+    <p:sldId id="272" r:id="rId4"/>
+    <p:sldId id="264" r:id="rId5"/>
+    <p:sldId id="273" r:id="rId6"/>
+    <p:sldId id="260" r:id="rId7"/>
+    <p:sldId id="269" r:id="rId8"/>
+    <p:sldId id="274" r:id="rId9"/>
   </p:sldIdLst>
   <p:sldSz cx="12192000" cy="6858000"/>
   <p:notesSz cx="6858000" cy="9144000"/>
@@ -248,7 +250,7 @@
           <a:p>
             <a:fld id="{33E46DBA-FA3B-4C5F-B700-4671668DAB72}" type="datetimeFigureOut">
               <a:rPr lang="fr-FR" smtClean="0"/>
-              <a:t>18/02/2025</a:t>
+              <a:t>19/04/2025</a:t>
             </a:fld>
             <a:endParaRPr lang="fr-FR"/>
           </a:p>
@@ -418,7 +420,7 @@
           <a:p>
             <a:fld id="{33E46DBA-FA3B-4C5F-B700-4671668DAB72}" type="datetimeFigureOut">
               <a:rPr lang="fr-FR" smtClean="0"/>
-              <a:t>18/02/2025</a:t>
+              <a:t>19/04/2025</a:t>
             </a:fld>
             <a:endParaRPr lang="fr-FR"/>
           </a:p>
@@ -598,7 +600,7 @@
           <a:p>
             <a:fld id="{33E46DBA-FA3B-4C5F-B700-4671668DAB72}" type="datetimeFigureOut">
               <a:rPr lang="fr-FR" smtClean="0"/>
-              <a:t>18/02/2025</a:t>
+              <a:t>19/04/2025</a:t>
             </a:fld>
             <a:endParaRPr lang="fr-FR"/>
           </a:p>
@@ -768,7 +770,7 @@
           <a:p>
             <a:fld id="{33E46DBA-FA3B-4C5F-B700-4671668DAB72}" type="datetimeFigureOut">
               <a:rPr lang="fr-FR" smtClean="0"/>
-              <a:t>18/02/2025</a:t>
+              <a:t>19/04/2025</a:t>
             </a:fld>
             <a:endParaRPr lang="fr-FR"/>
           </a:p>
@@ -1014,7 +1016,7 @@
           <a:p>
             <a:fld id="{33E46DBA-FA3B-4C5F-B700-4671668DAB72}" type="datetimeFigureOut">
               <a:rPr lang="fr-FR" smtClean="0"/>
-              <a:t>18/02/2025</a:t>
+              <a:t>19/04/2025</a:t>
             </a:fld>
             <a:endParaRPr lang="fr-FR"/>
           </a:p>
@@ -1246,7 +1248,7 @@
           <a:p>
             <a:fld id="{33E46DBA-FA3B-4C5F-B700-4671668DAB72}" type="datetimeFigureOut">
               <a:rPr lang="fr-FR" smtClean="0"/>
-              <a:t>18/02/2025</a:t>
+              <a:t>19/04/2025</a:t>
             </a:fld>
             <a:endParaRPr lang="fr-FR"/>
           </a:p>
@@ -1613,7 +1615,7 @@
           <a:p>
             <a:fld id="{33E46DBA-FA3B-4C5F-B700-4671668DAB72}" type="datetimeFigureOut">
               <a:rPr lang="fr-FR" smtClean="0"/>
-              <a:t>18/02/2025</a:t>
+              <a:t>19/04/2025</a:t>
             </a:fld>
             <a:endParaRPr lang="fr-FR"/>
           </a:p>
@@ -1731,7 +1733,7 @@
           <a:p>
             <a:fld id="{33E46DBA-FA3B-4C5F-B700-4671668DAB72}" type="datetimeFigureOut">
               <a:rPr lang="fr-FR" smtClean="0"/>
-              <a:t>18/02/2025</a:t>
+              <a:t>19/04/2025</a:t>
             </a:fld>
             <a:endParaRPr lang="fr-FR"/>
           </a:p>
@@ -1826,7 +1828,7 @@
           <a:p>
             <a:fld id="{33E46DBA-FA3B-4C5F-B700-4671668DAB72}" type="datetimeFigureOut">
               <a:rPr lang="fr-FR" smtClean="0"/>
-              <a:t>18/02/2025</a:t>
+              <a:t>19/04/2025</a:t>
             </a:fld>
             <a:endParaRPr lang="fr-FR"/>
           </a:p>
@@ -2103,7 +2105,7 @@
           <a:p>
             <a:fld id="{33E46DBA-FA3B-4C5F-B700-4671668DAB72}" type="datetimeFigureOut">
               <a:rPr lang="fr-FR" smtClean="0"/>
-              <a:t>18/02/2025</a:t>
+              <a:t>19/04/2025</a:t>
             </a:fld>
             <a:endParaRPr lang="fr-FR"/>
           </a:p>
@@ -2356,7 +2358,7 @@
           <a:p>
             <a:fld id="{33E46DBA-FA3B-4C5F-B700-4671668DAB72}" type="datetimeFigureOut">
               <a:rPr lang="fr-FR" smtClean="0"/>
-              <a:t>18/02/2025</a:t>
+              <a:t>19/04/2025</a:t>
             </a:fld>
             <a:endParaRPr lang="fr-FR"/>
           </a:p>
@@ -2569,7 +2571,7 @@
           <a:p>
             <a:fld id="{33E46DBA-FA3B-4C5F-B700-4671668DAB72}" type="datetimeFigureOut">
               <a:rPr lang="fr-FR" smtClean="0"/>
-              <a:t>18/02/2025</a:t>
+              <a:t>19/04/2025</a:t>
             </a:fld>
             <a:endParaRPr lang="fr-FR"/>
           </a:p>
@@ -3027,8 +3029,8 @@
         </p:nvSpPr>
         <p:spPr>
           <a:xfrm>
-            <a:off x="624114" y="1565753"/>
-            <a:ext cx="11567886" cy="2182317"/>
+            <a:off x="316230" y="1202499"/>
+            <a:ext cx="11567886" cy="1691014"/>
           </a:xfrm>
           <a:prstGeom prst="roundRect">
             <a:avLst/>
@@ -3056,37 +3058,26 @@
           <a:bodyPr rtlCol="0" anchor="ctr"/>
           <a:lstStyle/>
           <a:p>
-            <a:pPr marL="571500" indent="-571500" algn="r" rtl="1">
-              <a:buFont typeface="Wingdings" panose="05000000000000000000" pitchFamily="2" charset="2"/>
-              <a:buChar char="ü"/>
-            </a:pPr>
-            <a:r>
-              <a:rPr lang="ar-DZ" sz="4000" dirty="0">
-                <a:cs typeface="+mj-cs"/>
-              </a:rPr>
-              <a:t>ما هي طريقة إدراج صوت و فيديو ؟</a:t>
-            </a:r>
-          </a:p>
-          <a:p>
-            <a:pPr marL="571500" indent="-571500" algn="r" rtl="1">
-              <a:buFont typeface="Wingdings" panose="05000000000000000000" pitchFamily="2" charset="2"/>
-              <a:buChar char="ü"/>
-            </a:pPr>
-            <a:r>
-              <a:rPr lang="ar-DZ" sz="4000" dirty="0" smtClean="0">
-                <a:cs typeface="+mj-cs"/>
-              </a:rPr>
-              <a:t>ما </a:t>
-            </a:r>
-            <a:r>
-              <a:rPr lang="ar-DZ" sz="4000" dirty="0">
-                <a:cs typeface="+mj-cs"/>
-              </a:rPr>
-              <a:t>هي المصادر التي يمكننا إضافة من خلالها صوت أو فيديو ؟</a:t>
-            </a:r>
-            <a:endParaRPr lang="fr-FR" sz="4000" dirty="0">
-              <a:cs typeface="+mj-cs"/>
-            </a:endParaRPr>
+            <a:pPr algn="r" rtl="1"/>
+            <a:r>
+              <a:rPr lang="ar-DZ" sz="4000" dirty="0"/>
+              <a:t>ماذا نقصد بالقلم في </a:t>
+            </a:r>
+            <a:r>
+              <a:rPr lang="ar-DZ" sz="4000" dirty="0" err="1"/>
+              <a:t>سكراتش</a:t>
+            </a:r>
+            <a:r>
+              <a:rPr lang="ar-DZ" sz="4000" dirty="0"/>
+              <a:t> ؟ </a:t>
+            </a:r>
+          </a:p>
+          <a:p>
+            <a:pPr algn="r" rtl="1"/>
+            <a:r>
+              <a:rPr lang="ar-DZ" sz="4000" dirty="0"/>
+              <a:t>ما هي فوائد استخدامه ؟ </a:t>
+            </a:r>
           </a:p>
         </p:txBody>
       </p:sp>
@@ -3199,7 +3190,7 @@
         </p:nvSpPr>
         <p:spPr>
           <a:xfrm>
-            <a:off x="316230" y="1478071"/>
+            <a:off x="316230" y="876821"/>
             <a:ext cx="11567886" cy="3071665"/>
           </a:xfrm>
           <a:prstGeom prst="roundRect">
@@ -3233,103 +3224,16 @@
               <a:buChar char="Ø"/>
             </a:pPr>
             <a:r>
-              <a:rPr lang="ar-DZ" sz="4000" dirty="0">
-                <a:cs typeface="+mj-cs"/>
-              </a:rPr>
-              <a:t>عرض </a:t>
-            </a:r>
-            <a:r>
-              <a:rPr lang="ar-DZ" sz="4000" dirty="0" smtClean="0">
-                <a:cs typeface="+mj-cs"/>
-              </a:rPr>
-              <a:t>ملف</a:t>
-            </a:r>
-            <a:r>
-              <a:rPr lang="fr-FR" sz="4000" dirty="0" smtClean="0">
-                <a:cs typeface="+mj-cs"/>
-              </a:rPr>
-              <a:t>PowerPoint </a:t>
-            </a:r>
-            <a:r>
-              <a:rPr lang="ar-DZ" sz="4000" dirty="0" smtClean="0">
-                <a:cs typeface="+mj-cs"/>
-              </a:rPr>
-              <a:t> يحتوي </a:t>
-            </a:r>
-            <a:r>
-              <a:rPr lang="ar-DZ" sz="4000" dirty="0">
-                <a:cs typeface="+mj-cs"/>
-              </a:rPr>
-              <a:t>على عدة شرائح مع تأثيرات انتقالية</a:t>
-            </a:r>
-          </a:p>
-          <a:p>
-            <a:pPr marL="685800" indent="-685800" algn="r" rtl="1">
-              <a:buFont typeface="Wingdings" panose="05000000000000000000" pitchFamily="2" charset="2"/>
-              <a:buChar char="Ø"/>
-            </a:pPr>
-            <a:r>
-              <a:rPr lang="ar-DZ" sz="4000" dirty="0" smtClean="0">
-                <a:cs typeface="+mj-cs"/>
-              </a:rPr>
-              <a:t>ما </a:t>
-            </a:r>
-            <a:r>
-              <a:rPr lang="ar-DZ" sz="4000" dirty="0">
-                <a:cs typeface="+mj-cs"/>
-              </a:rPr>
-              <a:t>الذي </a:t>
-            </a:r>
-            <a:r>
-              <a:rPr lang="ar-DZ" sz="4000" dirty="0" smtClean="0">
-                <a:cs typeface="+mj-cs"/>
-              </a:rPr>
-              <a:t>أثار انتباهك أثناء العرض ؟</a:t>
-            </a:r>
-            <a:endParaRPr lang="ar-DZ" sz="4000" dirty="0">
-              <a:cs typeface="+mj-cs"/>
-            </a:endParaRPr>
-          </a:p>
-          <a:p>
-            <a:pPr marL="685800" indent="-685800" algn="r" rtl="1">
-              <a:buFont typeface="Wingdings" panose="05000000000000000000" pitchFamily="2" charset="2"/>
-              <a:buChar char="Ø"/>
-            </a:pPr>
-            <a:r>
-              <a:rPr lang="ar-DZ" sz="4000" dirty="0" smtClean="0">
-                <a:cs typeface="+mj-cs"/>
-              </a:rPr>
-              <a:t>كيف </a:t>
-            </a:r>
-            <a:r>
-              <a:rPr lang="ar-DZ" sz="4000" dirty="0">
-                <a:cs typeface="+mj-cs"/>
-              </a:rPr>
-              <a:t>يمكننا </a:t>
-            </a:r>
-            <a:r>
-              <a:rPr lang="ar-DZ" sz="4000" dirty="0" err="1">
-                <a:cs typeface="+mj-cs"/>
-              </a:rPr>
-              <a:t>الإنتقال</a:t>
-            </a:r>
-            <a:r>
-              <a:rPr lang="ar-DZ" sz="4000" dirty="0">
-                <a:cs typeface="+mj-cs"/>
-              </a:rPr>
-              <a:t> من شريحة لأخرى بطريقة شيقة و جذابة و ملفتة </a:t>
-            </a:r>
-            <a:r>
-              <a:rPr lang="ar-DZ" sz="4000" dirty="0" err="1">
-                <a:cs typeface="+mj-cs"/>
-              </a:rPr>
-              <a:t>للإنتباه</a:t>
-            </a:r>
-            <a:r>
-              <a:rPr lang="ar-DZ" sz="4000" dirty="0">
-                <a:cs typeface="+mj-cs"/>
-              </a:rPr>
-              <a:t> ؟</a:t>
+              <a:rPr lang="ar-SA" sz="4000" dirty="0"/>
+              <a:t>تعرفت في الحصة الماضية على القلم، ثم قمت بإلقاء نظرة عن لبنات القلم. فكيف يمكن توظيف هذه اللبنات في المقاطع البرمجية </a:t>
+            </a:r>
+            <a:r>
+              <a:rPr lang="ar-SA" sz="4000" dirty="0" smtClean="0"/>
+              <a:t>لرسم كل </a:t>
+            </a:r>
+            <a:r>
+              <a:rPr lang="ar-SA" sz="4000" dirty="0"/>
+              <a:t>الأشكال الهندسية التي نريدها ؟</a:t>
             </a:r>
             <a:endParaRPr lang="ar-DZ" sz="4000" dirty="0">
               <a:cs typeface="+mj-cs"/>
@@ -3393,8 +3297,8 @@
         </p:nvSpPr>
         <p:spPr bwMode="auto">
           <a:xfrm>
-            <a:off x="672570" y="398224"/>
-            <a:ext cx="11200090" cy="5078313"/>
+            <a:off x="722674" y="729910"/>
+            <a:ext cx="11200090" cy="6001643"/>
           </a:xfrm>
           <a:prstGeom prst="rect">
             <a:avLst/>
@@ -3596,220 +3500,154 @@
             </a:lvl9pPr>
           </a:lstStyle>
           <a:p>
-            <a:pPr marL="571500" indent="-571500" algn="r" rtl="1">
+            <a:pPr algn="r" rtl="1"/>
+            <a:r>
+              <a:rPr lang="ar-DZ" sz="3200" dirty="0" smtClean="0">
+                <a:cs typeface="+mj-cs"/>
+              </a:rPr>
+              <a:t>أنشيء </a:t>
+            </a:r>
+            <a:r>
+              <a:rPr lang="ar-DZ" sz="3200" dirty="0">
+                <a:cs typeface="+mj-cs"/>
+              </a:rPr>
+              <a:t>المقطع البرمجي التالي لكائن القلم : </a:t>
+            </a:r>
+            <a:endParaRPr lang="fr-FR" sz="3200" dirty="0" smtClean="0">
+              <a:cs typeface="+mj-cs"/>
+            </a:endParaRPr>
+          </a:p>
+          <a:p>
+            <a:pPr algn="r" rtl="1"/>
+            <a:endParaRPr lang="fr-FR" sz="3200" dirty="0" smtClean="0">
+              <a:cs typeface="+mj-cs"/>
+            </a:endParaRPr>
+          </a:p>
+          <a:p>
+            <a:pPr algn="r" rtl="1"/>
+            <a:endParaRPr lang="ar-DZ" sz="3200" dirty="0">
+              <a:cs typeface="+mj-cs"/>
+            </a:endParaRPr>
+          </a:p>
+          <a:p>
+            <a:pPr algn="r" rtl="1">
               <a:lnSpc>
                 <a:spcPct val="150000"/>
               </a:lnSpc>
-              <a:buFont typeface="Wingdings" panose="05000000000000000000" pitchFamily="2" charset="2"/>
-              <a:buChar char="Ø"/>
             </a:pPr>
             <a:r>
-              <a:rPr lang="ar-DZ" sz="2400" dirty="0">
+              <a:rPr lang="ar-DZ" sz="3200" dirty="0" smtClean="0">
                 <a:cs typeface="+mj-cs"/>
               </a:rPr>
-              <a:t>قم بإنشاء ملف عرض تقديمي يحتوي علي شريحتين أكتب في الشريحة لأولى </a:t>
-            </a:r>
-            <a:r>
-              <a:rPr lang="fr-FR" sz="2400" dirty="0" smtClean="0">
+              <a:t>ماذا </a:t>
+            </a:r>
+            <a:r>
+              <a:rPr lang="ar-DZ" sz="3200" dirty="0">
                 <a:cs typeface="+mj-cs"/>
               </a:rPr>
-              <a:t>Diapositive</a:t>
-            </a:r>
-            <a:r>
-              <a:rPr lang="fr-FR" sz="2400" dirty="0">
+              <a:t>يحدث عند تشغيله </a:t>
+            </a:r>
+            <a:r>
+              <a:rPr lang="ar-DZ" sz="3200" dirty="0" smtClean="0">
+                <a:cs typeface="+mj-cs"/>
+              </a:rPr>
+              <a:t>؟</a:t>
+            </a:r>
+            <a:endParaRPr lang="fr-FR" sz="3200" dirty="0" smtClean="0">
+              <a:cs typeface="+mj-cs"/>
+            </a:endParaRPr>
+          </a:p>
+          <a:p>
+            <a:pPr algn="r" rtl="1">
+              <a:lnSpc>
+                <a:spcPct val="150000"/>
+              </a:lnSpc>
+            </a:pPr>
+            <a:endParaRPr lang="fr-FR" sz="3200" dirty="0" smtClean="0">
+              <a:cs typeface="+mj-cs"/>
+            </a:endParaRPr>
+          </a:p>
+          <a:p>
+            <a:pPr algn="r" rtl="1"/>
+            <a:r>
+              <a:rPr lang="ar-DZ" sz="3200" dirty="0" smtClean="0">
+                <a:cs typeface="+mj-cs"/>
+              </a:rPr>
+              <a:t>أضف لبنة</a:t>
+            </a:r>
+            <a:r>
+              <a:rPr lang="fr-FR" sz="3200" dirty="0" smtClean="0">
+                <a:cs typeface="+mj-cs"/>
+              </a:rPr>
+              <a:t>                        </a:t>
+            </a:r>
+            <a:r>
+              <a:rPr lang="ar-DZ" sz="3200" dirty="0" smtClean="0">
                 <a:cs typeface="+mj-cs"/>
               </a:rPr>
               <a:t> </a:t>
             </a:r>
             <a:r>
-              <a:rPr lang="fr-FR" sz="2400" dirty="0" smtClean="0">
+              <a:rPr lang="ar-DZ" sz="3200" dirty="0">
                 <a:cs typeface="+mj-cs"/>
               </a:rPr>
-              <a:t>1</a:t>
-            </a:r>
-            <a:r>
-              <a:rPr lang="ar-DZ" sz="2400" dirty="0" smtClean="0">
+              <a:t>تحت لبنة </a:t>
+            </a:r>
+            <a:endParaRPr lang="fr-FR" sz="3200" dirty="0" smtClean="0">
+              <a:cs typeface="+mj-cs"/>
+            </a:endParaRPr>
+          </a:p>
+          <a:p>
+            <a:pPr algn="r" rtl="1"/>
+            <a:endParaRPr lang="ar-DZ" sz="3200" dirty="0">
+              <a:cs typeface="+mj-cs"/>
+            </a:endParaRPr>
+          </a:p>
+          <a:p>
+            <a:pPr algn="r" rtl="1"/>
+            <a:r>
+              <a:rPr lang="ar-DZ" sz="3200" dirty="0" smtClean="0">
                 <a:cs typeface="+mj-cs"/>
               </a:rPr>
-              <a:t> و </a:t>
-            </a:r>
-            <a:r>
-              <a:rPr lang="ar-DZ" sz="2400" dirty="0">
+              <a:t>أعد </a:t>
+            </a:r>
+            <a:r>
+              <a:rPr lang="ar-DZ" sz="3200" dirty="0">
                 <a:cs typeface="+mj-cs"/>
               </a:rPr>
-              <a:t>في الثانية </a:t>
-            </a:r>
-            <a:r>
-              <a:rPr lang="fr-FR" sz="2400" dirty="0">
+              <a:t>تشغيل المقطع، ماذا تلاحظ ؟ </a:t>
+            </a:r>
+            <a:endParaRPr lang="fr-FR" sz="3200" dirty="0" smtClean="0">
+              <a:cs typeface="+mj-cs"/>
+            </a:endParaRPr>
+          </a:p>
+          <a:p>
+            <a:pPr algn="r" rtl="1"/>
+            <a:endParaRPr lang="fr-FR" sz="3200" dirty="0" smtClean="0">
+              <a:cs typeface="+mj-cs"/>
+            </a:endParaRPr>
+          </a:p>
+          <a:p>
+            <a:pPr algn="r" rtl="1"/>
+            <a:r>
+              <a:rPr lang="ar-DZ" sz="3200" dirty="0" smtClean="0">
                 <a:cs typeface="+mj-cs"/>
               </a:rPr>
-              <a:t>Diapositive </a:t>
-            </a:r>
-            <a:r>
-              <a:rPr lang="fr-FR" sz="2400" dirty="0" smtClean="0">
+              <a:t>استنتج </a:t>
+            </a:r>
+            <a:r>
+              <a:rPr lang="ar-DZ" sz="3200" dirty="0">
                 <a:cs typeface="+mj-cs"/>
               </a:rPr>
-              <a:t>2 </a:t>
-            </a:r>
-          </a:p>
-          <a:p>
-            <a:pPr marL="571500" indent="-571500" algn="r" rtl="1">
-              <a:lnSpc>
-                <a:spcPct val="150000"/>
-              </a:lnSpc>
-              <a:buFont typeface="Wingdings" panose="05000000000000000000" pitchFamily="2" charset="2"/>
-              <a:buChar char="Ø"/>
-            </a:pPr>
-            <a:r>
-              <a:rPr lang="ar-DZ" sz="2400" dirty="0" smtClean="0">
-                <a:cs typeface="+mj-cs"/>
-              </a:rPr>
-              <a:t>لنبحث عن التبويب المناسب الذي يسمح لنا بإضافة تأثيرات على الشريحة الأولى</a:t>
-            </a:r>
-          </a:p>
-          <a:p>
-            <a:pPr marL="571500" indent="-571500" algn="r" rtl="1">
-              <a:lnSpc>
-                <a:spcPct val="150000"/>
-              </a:lnSpc>
-              <a:buFont typeface="Wingdings" panose="05000000000000000000" pitchFamily="2" charset="2"/>
-              <a:buChar char="Ø"/>
-            </a:pPr>
-            <a:r>
-              <a:rPr lang="ar-DZ" sz="2400" dirty="0">
-                <a:cs typeface="+mj-cs"/>
-              </a:rPr>
-              <a:t>	ما اسم المجموعة التي تحتوي علي التأثيرات </a:t>
-            </a:r>
-            <a:r>
-              <a:rPr lang="ar-DZ" sz="2400" dirty="0" smtClean="0">
-                <a:cs typeface="+mj-cs"/>
-              </a:rPr>
-              <a:t>؟</a:t>
-            </a:r>
-          </a:p>
-          <a:p>
-            <a:pPr marL="571500" indent="-571500" algn="r" rtl="1">
-              <a:lnSpc>
-                <a:spcPct val="150000"/>
-              </a:lnSpc>
-              <a:buFont typeface="Wingdings" panose="05000000000000000000" pitchFamily="2" charset="2"/>
-              <a:buChar char="Ø"/>
-            </a:pPr>
-            <a:r>
-              <a:rPr lang="ar-DZ" sz="2400" dirty="0">
-                <a:cs typeface="+mj-cs"/>
-              </a:rPr>
-              <a:t>	في المجموعة </a:t>
-            </a:r>
-            <a:r>
-              <a:rPr lang="fr-FR" sz="2400" dirty="0">
-                <a:cs typeface="+mj-cs"/>
-              </a:rPr>
-              <a:t>Minutage ، </a:t>
-            </a:r>
-            <a:r>
-              <a:rPr lang="ar-DZ" sz="2400" dirty="0">
-                <a:cs typeface="+mj-cs"/>
-              </a:rPr>
-              <a:t>في </a:t>
-            </a:r>
-            <a:r>
-              <a:rPr lang="ar-DZ" sz="2400" dirty="0" smtClean="0">
-                <a:cs typeface="+mj-cs"/>
-              </a:rPr>
-              <a:t>التعليمة</a:t>
-            </a:r>
-            <a:r>
-              <a:rPr lang="fr-FR" sz="2400" dirty="0" smtClean="0">
-                <a:cs typeface="+mj-cs"/>
-              </a:rPr>
-              <a:t> Son </a:t>
-            </a:r>
-            <a:r>
-              <a:rPr lang="ar-DZ" sz="2400" dirty="0">
-                <a:cs typeface="+mj-cs"/>
-              </a:rPr>
-              <a:t>اختر إحدى الخيارات ثم اضغط على </a:t>
-            </a:r>
-            <a:r>
-              <a:rPr lang="fr-FR" sz="2400" dirty="0" smtClean="0">
-                <a:cs typeface="+mj-cs"/>
-              </a:rPr>
-              <a:t> Aperçu</a:t>
-            </a:r>
-            <a:r>
-              <a:rPr lang="ar-DZ" sz="2400" dirty="0" smtClean="0">
-                <a:cs typeface="+mj-cs"/>
-              </a:rPr>
-              <a:t>الموجود </a:t>
-            </a:r>
-            <a:r>
-              <a:rPr lang="ar-DZ" sz="2400" dirty="0">
-                <a:cs typeface="+mj-cs"/>
-              </a:rPr>
-              <a:t>أقصى اليسار، ماذا تلاحظ ؟ ما دور التعليمة </a:t>
-            </a:r>
-            <a:r>
-              <a:rPr lang="fr-FR" sz="2400" dirty="0" smtClean="0">
-                <a:cs typeface="+mj-cs"/>
-              </a:rPr>
-              <a:t> Son ؟</a:t>
-            </a:r>
-            <a:endParaRPr lang="ar-DZ" sz="2400" dirty="0" smtClean="0">
+              <a:t>دور لبنة </a:t>
+            </a:r>
+            <a:endParaRPr lang="fr-FR" sz="3200" dirty="0" smtClean="0">
               <a:cs typeface="+mj-cs"/>
             </a:endParaRPr>
           </a:p>
           <a:p>
-            <a:pPr marL="571500" indent="-571500" algn="r" rtl="1">
-              <a:lnSpc>
-                <a:spcPct val="150000"/>
-              </a:lnSpc>
-              <a:buFont typeface="Wingdings" panose="05000000000000000000" pitchFamily="2" charset="2"/>
-              <a:buChar char="Ø"/>
-            </a:pPr>
-            <a:r>
-              <a:rPr lang="fr-FR" sz="2400" dirty="0">
-                <a:cs typeface="+mj-cs"/>
-              </a:rPr>
-              <a:t>	</a:t>
-            </a:r>
-            <a:r>
-              <a:rPr lang="ar-DZ" sz="2400" dirty="0">
-                <a:cs typeface="+mj-cs"/>
-              </a:rPr>
-              <a:t>معتمدا على نفس الطريقة ، ما دور التعليمة </a:t>
-            </a:r>
-            <a:r>
-              <a:rPr lang="fr-FR" sz="2400" dirty="0" smtClean="0">
-                <a:cs typeface="+mj-cs"/>
-              </a:rPr>
-              <a:t> Durée ؟</a:t>
-            </a:r>
-          </a:p>
-          <a:p>
-            <a:pPr marL="571500" lvl="0" indent="-571500" algn="r" rtl="1">
-              <a:lnSpc>
-                <a:spcPct val="150000"/>
-              </a:lnSpc>
-              <a:buFont typeface="Wingdings" panose="05000000000000000000" pitchFamily="2" charset="2"/>
-              <a:buChar char="Ø"/>
-            </a:pPr>
-            <a:r>
-              <a:rPr lang="ar-DZ" sz="2400" dirty="0"/>
-              <a:t>ماذا نقصد بهذه التعليمة أدناه ؟ (من يحاول ترجمة هذه التعليمة ؟)</a:t>
-            </a:r>
-            <a:endParaRPr lang="fr-FR" sz="2400" dirty="0"/>
-          </a:p>
-          <a:p>
-            <a:pPr marL="571500" indent="-571500" algn="r" rtl="1">
-              <a:lnSpc>
-                <a:spcPct val="150000"/>
-              </a:lnSpc>
-              <a:buFont typeface="Wingdings" panose="05000000000000000000" pitchFamily="2" charset="2"/>
-              <a:buChar char="Ø"/>
-            </a:pPr>
-            <a:endParaRPr lang="fr-FR" sz="2400" dirty="0">
+            <a:pPr algn="r" rtl="1"/>
+            <a:endParaRPr lang="ar-DZ" sz="3200" dirty="0">
               <a:cs typeface="+mj-cs"/>
             </a:endParaRPr>
           </a:p>
@@ -3829,7 +3667,7 @@
         </p:nvSpPr>
         <p:spPr>
           <a:xfrm>
-            <a:off x="919777" y="0"/>
+            <a:off x="957355" y="74025"/>
             <a:ext cx="11412983" cy="655885"/>
           </a:xfrm>
           <a:prstGeom prst="rect">
@@ -3934,20 +3772,118 @@
       </p:sp>
       <p:pic>
         <p:nvPicPr>
-          <p:cNvPr id="5" name="Image 4"/>
-          <p:cNvPicPr/>
+          <p:cNvPr id="3" name="Image 2"/>
+          <p:cNvPicPr>
+            <a:picLocks noChangeAspect="1"/>
+          </p:cNvPicPr>
           <p:nvPr/>
         </p:nvPicPr>
         <p:blipFill>
-          <a:blip r:embed="rId2"/>
+          <a:blip r:embed="rId2">
+            <a:extLst>
+              <a:ext uri="{28A0092B-C50C-407E-A947-70E740481C1C}">
+                <a14:useLocalDpi xmlns:a14="http://schemas.microsoft.com/office/drawing/2010/main" val="0"/>
+              </a:ext>
+            </a:extLst>
+          </a:blip>
           <a:stretch>
             <a:fillRect/>
           </a:stretch>
         </p:blipFill>
         <p:spPr>
           <a:xfrm>
-            <a:off x="4183694" y="4860100"/>
-            <a:ext cx="4885150" cy="1878904"/>
+            <a:off x="3093929" y="277067"/>
+            <a:ext cx="3115582" cy="2648998"/>
+          </a:xfrm>
+          <a:prstGeom prst="rect">
+            <a:avLst/>
+          </a:prstGeom>
+        </p:spPr>
+      </p:pic>
+      <p:pic>
+        <p:nvPicPr>
+          <p:cNvPr id="4" name="Image 3"/>
+          <p:cNvPicPr>
+            <a:picLocks noChangeAspect="1"/>
+          </p:cNvPicPr>
+          <p:nvPr/>
+        </p:nvPicPr>
+        <p:blipFill>
+          <a:blip r:embed="rId3">
+            <a:extLst>
+              <a:ext uri="{28A0092B-C50C-407E-A947-70E740481C1C}">
+                <a14:useLocalDpi xmlns:a14="http://schemas.microsoft.com/office/drawing/2010/main" val="0"/>
+              </a:ext>
+            </a:extLst>
+          </a:blip>
+          <a:stretch>
+            <a:fillRect/>
+          </a:stretch>
+        </p:blipFill>
+        <p:spPr>
+          <a:xfrm>
+            <a:off x="8185066" y="3454327"/>
+            <a:ext cx="2061224" cy="1176179"/>
+          </a:xfrm>
+          <a:prstGeom prst="rect">
+            <a:avLst/>
+          </a:prstGeom>
+        </p:spPr>
+      </p:pic>
+      <p:pic>
+        <p:nvPicPr>
+          <p:cNvPr id="6" name="Image 5"/>
+          <p:cNvPicPr>
+            <a:picLocks noChangeAspect="1"/>
+          </p:cNvPicPr>
+          <p:nvPr/>
+        </p:nvPicPr>
+        <p:blipFill>
+          <a:blip r:embed="rId4">
+            <a:extLst>
+              <a:ext uri="{28A0092B-C50C-407E-A947-70E740481C1C}">
+                <a14:useLocalDpi xmlns:a14="http://schemas.microsoft.com/office/drawing/2010/main" val="0"/>
+              </a:ext>
+            </a:extLst>
+          </a:blip>
+          <a:stretch>
+            <a:fillRect/>
+          </a:stretch>
+        </p:blipFill>
+        <p:spPr>
+          <a:xfrm>
+            <a:off x="4636269" y="3316216"/>
+            <a:ext cx="1779304" cy="1307965"/>
+          </a:xfrm>
+          <a:prstGeom prst="rect">
+            <a:avLst/>
+          </a:prstGeom>
+        </p:spPr>
+      </p:pic>
+      <p:pic>
+        <p:nvPicPr>
+          <p:cNvPr id="19" name="Image 18"/>
+          <p:cNvPicPr>
+            <a:picLocks noChangeAspect="1"/>
+          </p:cNvPicPr>
+          <p:nvPr/>
+        </p:nvPicPr>
+        <p:blipFill>
+          <a:blip r:embed="rId3">
+            <a:extLst>
+              <a:ext uri="{28A0092B-C50C-407E-A947-70E740481C1C}">
+                <a14:useLocalDpi xmlns:a14="http://schemas.microsoft.com/office/drawing/2010/main" val="0"/>
+              </a:ext>
+            </a:extLst>
+          </a:blip>
+          <a:stretch>
+            <a:fillRect/>
+          </a:stretch>
+        </p:blipFill>
+        <p:spPr>
+          <a:xfrm>
+            <a:off x="7553194" y="5286391"/>
+            <a:ext cx="2083765" cy="1189041"/>
           </a:xfrm>
           <a:prstGeom prst="rect">
             <a:avLst/>
@@ -3957,7 +3893,7 @@
     </p:spTree>
     <p:extLst>
       <p:ext uri="{BB962C8B-B14F-4D97-AF65-F5344CB8AC3E}">
-        <p14:creationId xmlns:p14="http://schemas.microsoft.com/office/powerpoint/2010/main" val="1572946791"/>
+        <p14:creationId xmlns:p14="http://schemas.microsoft.com/office/powerpoint/2010/main" val="3580588292"/>
       </p:ext>
     </p:extLst>
   </p:cSld>
@@ -4007,8 +3943,8 @@
         </p:nvSpPr>
         <p:spPr bwMode="auto">
           <a:xfrm>
-            <a:off x="87682" y="228563"/>
-            <a:ext cx="11862927" cy="4401205"/>
+            <a:off x="187890" y="129516"/>
+            <a:ext cx="11738396" cy="6494085"/>
           </a:xfrm>
           <a:prstGeom prst="rect">
             <a:avLst/>
@@ -4210,178 +4146,230 @@
             </a:lvl9pPr>
           </a:lstStyle>
           <a:p>
-            <a:pPr marL="457200" lvl="0" indent="-457200" algn="r" rtl="1">
-              <a:buFont typeface="Wingdings" panose="05000000000000000000" pitchFamily="2" charset="2"/>
-              <a:buChar char="Ø"/>
+            <a:pPr algn="r" rtl="1"/>
+            <a:endParaRPr lang="ar-DZ" sz="3200" dirty="0">
+              <a:cs typeface="+mj-cs"/>
+            </a:endParaRPr>
+          </a:p>
+          <a:p>
+            <a:pPr algn="r" rtl="1"/>
+            <a:r>
+              <a:rPr lang="ar-DZ" sz="3200" dirty="0" smtClean="0">
+                <a:cs typeface="+mj-cs"/>
+              </a:rPr>
+              <a:t>أضف </a:t>
+            </a:r>
+            <a:r>
+              <a:rPr lang="ar-DZ" sz="3200" dirty="0">
+                <a:cs typeface="+mj-cs"/>
+              </a:rPr>
+              <a:t>هاتين </a:t>
+            </a:r>
+            <a:r>
+              <a:rPr lang="ar-DZ" sz="3200" dirty="0" smtClean="0">
+                <a:cs typeface="+mj-cs"/>
+              </a:rPr>
+              <a:t>اللبنتين</a:t>
+            </a:r>
+            <a:r>
+              <a:rPr lang="fr-FR" sz="3200" dirty="0" smtClean="0">
+                <a:cs typeface="+mj-cs"/>
+              </a:rPr>
+              <a:t>                          </a:t>
+            </a:r>
+            <a:r>
+              <a:rPr lang="ar-DZ" sz="3200" dirty="0" smtClean="0">
+                <a:cs typeface="+mj-cs"/>
+              </a:rPr>
+              <a:t> </a:t>
+            </a:r>
+            <a:r>
+              <a:rPr lang="ar-DZ" sz="3200" dirty="0">
+                <a:cs typeface="+mj-cs"/>
+              </a:rPr>
+              <a:t>تحت </a:t>
+            </a:r>
+            <a:r>
+              <a:rPr lang="ar-DZ" sz="3200" dirty="0" smtClean="0">
+                <a:cs typeface="+mj-cs"/>
+              </a:rPr>
+              <a:t>لبنة</a:t>
+            </a:r>
+            <a:endParaRPr lang="fr-FR" sz="3200" dirty="0" smtClean="0">
+              <a:cs typeface="+mj-cs"/>
+            </a:endParaRPr>
+          </a:p>
+          <a:p>
+            <a:pPr algn="r" rtl="1"/>
+            <a:endParaRPr lang="fr-FR" sz="3200" dirty="0">
+              <a:cs typeface="+mj-cs"/>
+            </a:endParaRPr>
+          </a:p>
+          <a:p>
+            <a:pPr algn="r" rtl="1"/>
+            <a:endParaRPr lang="fr-FR" sz="3200" dirty="0" smtClean="0">
+              <a:cs typeface="+mj-cs"/>
+            </a:endParaRPr>
+          </a:p>
+          <a:p>
+            <a:pPr algn="r" rtl="1"/>
+            <a:endParaRPr lang="ar-DZ" sz="3200" dirty="0">
+              <a:cs typeface="+mj-cs"/>
+            </a:endParaRPr>
+          </a:p>
+          <a:p>
+            <a:pPr algn="r" rtl="1"/>
+            <a:r>
+              <a:rPr lang="ar-DZ" sz="3200" dirty="0">
+                <a:cs typeface="+mj-cs"/>
+              </a:rPr>
+              <a:t>استنتج دور لبنة </a:t>
+            </a:r>
+            <a:endParaRPr lang="fr-FR" sz="3200" dirty="0" smtClean="0">
+              <a:cs typeface="+mj-cs"/>
+            </a:endParaRPr>
+          </a:p>
+          <a:p>
+            <a:pPr algn="r" rtl="1"/>
+            <a:endParaRPr lang="fr-FR" sz="3200" dirty="0">
+              <a:cs typeface="+mj-cs"/>
+            </a:endParaRPr>
+          </a:p>
+          <a:p>
+            <a:pPr algn="r" rtl="1"/>
+            <a:endParaRPr lang="ar-DZ" sz="3200" dirty="0">
+              <a:cs typeface="+mj-cs"/>
+            </a:endParaRPr>
+          </a:p>
+          <a:p>
+            <a:pPr algn="r" rtl="1"/>
+            <a:r>
+              <a:rPr lang="ar-DZ" sz="3200" dirty="0" smtClean="0">
+                <a:cs typeface="+mj-cs"/>
+              </a:rPr>
+              <a:t>أضف </a:t>
+            </a:r>
+            <a:r>
+              <a:rPr lang="ar-DZ" sz="3200" dirty="0">
+                <a:cs typeface="+mj-cs"/>
+              </a:rPr>
+              <a:t>في بداية المقطع البرمجي </a:t>
+            </a:r>
+            <a:r>
+              <a:rPr lang="ar-DZ" sz="3200" dirty="0" smtClean="0">
+                <a:cs typeface="+mj-cs"/>
+              </a:rPr>
+              <a:t>اللبنة</a:t>
+            </a:r>
+            <a:r>
+              <a:rPr lang="fr-FR" sz="3200" dirty="0" smtClean="0">
+                <a:cs typeface="+mj-cs"/>
+              </a:rPr>
+              <a:t>                           </a:t>
+            </a:r>
+            <a:r>
+              <a:rPr lang="ar-DZ" sz="3200" dirty="0" smtClean="0">
+                <a:cs typeface="+mj-cs"/>
+              </a:rPr>
+              <a:t> </a:t>
+            </a:r>
+            <a:r>
+              <a:rPr lang="ar-DZ" sz="3200" dirty="0">
+                <a:cs typeface="+mj-cs"/>
+              </a:rPr>
+              <a:t>ثم نفّذه أكثر من مرة مستنتجا دورها </a:t>
+            </a:r>
+            <a:r>
+              <a:rPr lang="ar-DZ" sz="3200" dirty="0" smtClean="0">
+                <a:cs typeface="+mj-cs"/>
+              </a:rPr>
+              <a:t>؟</a:t>
+            </a:r>
+            <a:endParaRPr lang="fr-FR" sz="3200" dirty="0" smtClean="0">
+              <a:cs typeface="+mj-cs"/>
+            </a:endParaRPr>
+          </a:p>
+          <a:p>
+            <a:pPr algn="r" rtl="1"/>
+            <a:endParaRPr lang="fr-FR" sz="3200" dirty="0">
+              <a:cs typeface="+mj-cs"/>
+            </a:endParaRPr>
+          </a:p>
+          <a:p>
+            <a:pPr algn="r" rtl="1"/>
+            <a:r>
+              <a:rPr lang="ar-DZ" sz="3200" dirty="0" smtClean="0">
+                <a:cs typeface="+mj-cs"/>
+              </a:rPr>
+              <a:t> </a:t>
+            </a:r>
+            <a:endParaRPr lang="ar-DZ" sz="3200" dirty="0">
+              <a:cs typeface="+mj-cs"/>
+            </a:endParaRPr>
+          </a:p>
+          <a:p>
+            <a:pPr algn="r" rtl="1"/>
+            <a:r>
+              <a:rPr lang="ar-DZ" sz="3200" dirty="0">
+                <a:cs typeface="+mj-cs"/>
+              </a:rPr>
+              <a:t>أضف تحت لبنة "مسح الكل" اللبنة ما دورها إذن ؟ </a:t>
+            </a:r>
+          </a:p>
+        </p:txBody>
+      </p:sp>
+      <p:sp>
+        <p:nvSpPr>
+          <p:cNvPr id="12" name="ZoneTexte 11">
+            <a:extLst>
+              <a:ext uri="{FF2B5EF4-FFF2-40B4-BE49-F238E27FC236}">
+                <a16:creationId xmlns:a16="http://schemas.microsoft.com/office/drawing/2014/main" xmlns="" id="{0B494AC6-9B2E-422F-B16A-015D6B0BA580}"/>
+              </a:ext>
+            </a:extLst>
+          </p:cNvPr>
+          <p:cNvSpPr txBox="1"/>
+          <p:nvPr/>
+        </p:nvSpPr>
+        <p:spPr>
+          <a:xfrm>
+            <a:off x="919777" y="0"/>
+            <a:ext cx="11412983" cy="655885"/>
+          </a:xfrm>
+          <a:prstGeom prst="rect">
+            <a:avLst/>
+          </a:prstGeom>
+          <a:noFill/>
+        </p:spPr>
+        <p:txBody>
+          <a:bodyPr wrap="square">
+            <a:spAutoFit/>
+          </a:bodyPr>
+          <a:lstStyle/>
+          <a:p>
+            <a:pPr marL="457200" algn="r" rtl="1">
+              <a:lnSpc>
+                <a:spcPct val="107000"/>
+              </a:lnSpc>
+              <a:spcAft>
+                <a:spcPts val="800"/>
+              </a:spcAft>
+              <a:tabLst>
+                <a:tab pos="2376805" algn="l"/>
+              </a:tabLst>
             </a:pPr>
             <a:r>
-              <a:rPr lang="ar-DZ" sz="2800" dirty="0"/>
-              <a:t>احتفظ بنفس الإعدادات على هذه التعليمة ثم لنضغط على التبويب </a:t>
-            </a:r>
-            <a:r>
-              <a:rPr lang="fr-FR" sz="2800" dirty="0"/>
-              <a:t>Diaporama</a:t>
-            </a:r>
-            <a:r>
-              <a:rPr lang="ar-DZ" sz="2800" dirty="0"/>
-              <a:t> ثم التعليمة </a:t>
-            </a:r>
-            <a:endParaRPr lang="ar-DZ" sz="2800" dirty="0" smtClean="0"/>
-          </a:p>
-          <a:p>
-            <a:pPr marL="457200" lvl="0" indent="-457200" algn="r" rtl="1">
-              <a:buFont typeface="Wingdings" panose="05000000000000000000" pitchFamily="2" charset="2"/>
-              <a:buChar char="Ø"/>
-            </a:pPr>
-            <a:r>
-              <a:rPr lang="fr-FR" sz="2800" dirty="0" smtClean="0"/>
-              <a:t>A </a:t>
-            </a:r>
-            <a:r>
-              <a:rPr lang="fr-FR" sz="2800" dirty="0"/>
-              <a:t>partir du début</a:t>
-            </a:r>
-            <a:r>
-              <a:rPr lang="ar-DZ" sz="2800" dirty="0"/>
-              <a:t> الموجودة أقصى اليسار.</a:t>
-            </a:r>
-            <a:endParaRPr lang="fr-FR" sz="2800" dirty="0"/>
-          </a:p>
-          <a:p>
-            <a:pPr marL="457200" lvl="0" indent="-457200" algn="r" rtl="1">
-              <a:buFont typeface="Wingdings" panose="05000000000000000000" pitchFamily="2" charset="2"/>
-              <a:buChar char="Ø"/>
-            </a:pPr>
-            <a:r>
-              <a:rPr lang="ar-DZ" sz="2800" dirty="0"/>
-              <a:t>برأيكم لماذا تم عرض الشريحة الأولى فقط و توقف العرض ؟</a:t>
-            </a:r>
-            <a:endParaRPr lang="fr-FR" sz="2800" dirty="0"/>
-          </a:p>
-          <a:p>
-            <a:pPr marL="457200" lvl="0" indent="-457200" algn="r" rtl="1">
-              <a:buFont typeface="Wingdings" panose="05000000000000000000" pitchFamily="2" charset="2"/>
-              <a:buChar char="Ø"/>
-            </a:pPr>
-            <a:r>
-              <a:rPr lang="ar-DZ" sz="2800" dirty="0"/>
-              <a:t>أين يجب علي الضغط لعرض الشريحة الموالية ؟</a:t>
-            </a:r>
-            <a:endParaRPr lang="fr-FR" sz="2800" dirty="0"/>
-          </a:p>
-          <a:p>
-            <a:pPr marL="457200" lvl="0" indent="-457200" algn="r" rtl="1">
-              <a:buFont typeface="Wingdings" panose="05000000000000000000" pitchFamily="2" charset="2"/>
-              <a:buChar char="Ø"/>
-            </a:pPr>
-            <a:r>
-              <a:rPr lang="ar-DZ" sz="2800" dirty="0"/>
-              <a:t>ما دور إذن الخيار </a:t>
-            </a:r>
-            <a:r>
-              <a:rPr lang="fr-FR" sz="2800" dirty="0"/>
-              <a:t>Manuellement</a:t>
-            </a:r>
-            <a:r>
-              <a:rPr lang="ar-DZ" sz="2800" dirty="0"/>
-              <a:t> ؟ </a:t>
-            </a:r>
-            <a:endParaRPr lang="fr-FR" sz="2800" dirty="0"/>
-          </a:p>
-          <a:p>
-            <a:pPr marL="457200" lvl="0" indent="-457200" algn="r" rtl="1">
-              <a:buFont typeface="Wingdings" panose="05000000000000000000" pitchFamily="2" charset="2"/>
-              <a:buChar char="Ø"/>
-            </a:pPr>
-            <a:r>
-              <a:rPr lang="ar-DZ" sz="2800" dirty="0"/>
-              <a:t>لنضغط على المفتاح </a:t>
-            </a:r>
-            <a:r>
-              <a:rPr lang="fr-FR" sz="2800" dirty="0" err="1"/>
-              <a:t>Echap</a:t>
-            </a:r>
-            <a:r>
-              <a:rPr lang="ar-DZ" sz="2800" dirty="0"/>
-              <a:t> للخروج من هذا الوضع ثم نؤشر على الخيار </a:t>
-            </a:r>
-            <a:r>
-              <a:rPr lang="fr-FR" sz="2800" dirty="0" err="1"/>
-              <a:t>Aprés</a:t>
-            </a:r>
-            <a:r>
-              <a:rPr lang="ar-DZ" sz="2800" dirty="0"/>
-              <a:t>  و نختار </a:t>
-            </a:r>
-            <a:r>
-              <a:rPr lang="fr-FR" sz="2800" dirty="0"/>
-              <a:t>00:02,00</a:t>
-            </a:r>
-            <a:r>
-              <a:rPr lang="ar-DZ" sz="2800" dirty="0"/>
-              <a:t> مثلا</a:t>
-            </a:r>
-            <a:endParaRPr lang="fr-FR" sz="2800" dirty="0"/>
-          </a:p>
-          <a:p>
-            <a:pPr marL="457200" lvl="0" indent="-457200" algn="r" rtl="1">
-              <a:buFont typeface="Wingdings" panose="05000000000000000000" pitchFamily="2" charset="2"/>
-              <a:buChar char="Ø"/>
-            </a:pPr>
-            <a:r>
-              <a:rPr lang="ar-DZ" sz="2800" dirty="0"/>
-              <a:t>نعيد الضغط على التبويب </a:t>
-            </a:r>
-            <a:r>
-              <a:rPr lang="fr-FR" sz="2800" dirty="0"/>
-              <a:t>Diaporama</a:t>
-            </a:r>
-            <a:r>
-              <a:rPr lang="ar-DZ" sz="2800" dirty="0"/>
-              <a:t> ثم التعليمة </a:t>
-            </a:r>
-            <a:r>
-              <a:rPr lang="fr-FR" sz="2800" dirty="0"/>
-              <a:t>A partir du début </a:t>
-            </a:r>
-          </a:p>
-          <a:p>
-            <a:pPr marL="457200" lvl="0" indent="-457200" algn="r" rtl="1">
-              <a:buFont typeface="Wingdings" panose="05000000000000000000" pitchFamily="2" charset="2"/>
-              <a:buChar char="Ø"/>
-            </a:pPr>
-            <a:r>
-              <a:rPr lang="ar-DZ" sz="2800" dirty="0"/>
-              <a:t>ما التغيير الذي طرأ ؟  ما دور الخيار </a:t>
-            </a:r>
-            <a:r>
-              <a:rPr lang="fr-FR" sz="2800" dirty="0" err="1"/>
-              <a:t>Aprés</a:t>
-            </a:r>
-            <a:r>
-              <a:rPr lang="ar-DZ" sz="2800" dirty="0"/>
-              <a:t> ؟</a:t>
-            </a:r>
-            <a:endParaRPr lang="fr-FR" sz="2800" dirty="0"/>
-          </a:p>
-          <a:p>
-            <a:pPr marL="457200" indent="-457200" algn="r" rtl="1">
-              <a:buFont typeface="Wingdings" panose="05000000000000000000" pitchFamily="2" charset="2"/>
-              <a:buChar char="Ø"/>
-            </a:pPr>
-            <a:r>
-              <a:rPr lang="ar-DZ" sz="2800" dirty="0"/>
-              <a:t>ما دور التبويب </a:t>
-            </a:r>
-            <a:r>
-              <a:rPr lang="fr-FR" sz="2800" dirty="0"/>
-              <a:t>Diaporama</a:t>
-            </a:r>
-            <a:r>
-              <a:rPr lang="ar-DZ" sz="2800" dirty="0"/>
-              <a:t> إذن ؟</a:t>
+              <a:rPr lang="ar-DZ" sz="3600" b="1" u="sng" dirty="0" smtClean="0">
+                <a:solidFill>
+                  <a:srgbClr val="FF0000"/>
+                </a:solidFill>
+                <a:latin typeface="Calibri" panose="020F0502020204030204" pitchFamily="34" charset="0"/>
+                <a:ea typeface="Calibri" panose="020F0502020204030204" pitchFamily="34" charset="0"/>
+                <a:cs typeface="Times New Roman" panose="02020603050405020304" pitchFamily="18" charset="0"/>
+              </a:rPr>
+              <a:t>نشاط 01 :</a:t>
             </a:r>
             <a:endParaRPr lang="fr-FR" sz="2000" dirty="0">
+              <a:effectLst/>
               <a:latin typeface="Calibri" panose="020F0502020204030204" pitchFamily="34" charset="0"/>
               <a:ea typeface="Calibri" panose="020F0502020204030204" pitchFamily="34" charset="0"/>
               <a:cs typeface="Arial" panose="020B0604020202020204" pitchFamily="34" charset="0"/>
@@ -4447,10 +4435,160 @@
           </a:p>
         </p:txBody>
       </p:sp>
+      <p:pic>
+        <p:nvPicPr>
+          <p:cNvPr id="7" name="Image 6"/>
+          <p:cNvPicPr>
+            <a:picLocks noChangeAspect="1"/>
+          </p:cNvPicPr>
+          <p:nvPr/>
+        </p:nvPicPr>
+        <p:blipFill>
+          <a:blip r:embed="rId2">
+            <a:extLst>
+              <a:ext uri="{28A0092B-C50C-407E-A947-70E740481C1C}">
+                <a14:useLocalDpi xmlns:a14="http://schemas.microsoft.com/office/drawing/2010/main" val="0"/>
+              </a:ext>
+            </a:extLst>
+          </a:blip>
+          <a:stretch>
+            <a:fillRect/>
+          </a:stretch>
+        </p:blipFill>
+        <p:spPr>
+          <a:xfrm>
+            <a:off x="6642305" y="460266"/>
+            <a:ext cx="2347812" cy="1862058"/>
+          </a:xfrm>
+          <a:prstGeom prst="rect">
+            <a:avLst/>
+          </a:prstGeom>
+        </p:spPr>
+      </p:pic>
+      <p:pic>
+        <p:nvPicPr>
+          <p:cNvPr id="8" name="Image 7"/>
+          <p:cNvPicPr>
+            <a:picLocks noChangeAspect="1"/>
+          </p:cNvPicPr>
+          <p:nvPr/>
+        </p:nvPicPr>
+        <p:blipFill>
+          <a:blip r:embed="rId3">
+            <a:extLst>
+              <a:ext uri="{28A0092B-C50C-407E-A947-70E740481C1C}">
+                <a14:useLocalDpi xmlns:a14="http://schemas.microsoft.com/office/drawing/2010/main" val="0"/>
+              </a:ext>
+            </a:extLst>
+          </a:blip>
+          <a:stretch>
+            <a:fillRect/>
+          </a:stretch>
+        </p:blipFill>
+        <p:spPr>
+          <a:xfrm>
+            <a:off x="2404997" y="460266"/>
+            <a:ext cx="2342966" cy="1004129"/>
+          </a:xfrm>
+          <a:prstGeom prst="rect">
+            <a:avLst/>
+          </a:prstGeom>
+        </p:spPr>
+      </p:pic>
+      <p:pic>
+        <p:nvPicPr>
+          <p:cNvPr id="9" name="Image 8"/>
+          <p:cNvPicPr>
+            <a:picLocks noChangeAspect="1"/>
+          </p:cNvPicPr>
+          <p:nvPr/>
+        </p:nvPicPr>
+        <p:blipFill>
+          <a:blip r:embed="rId4">
+            <a:extLst>
+              <a:ext uri="{28A0092B-C50C-407E-A947-70E740481C1C}">
+                <a14:useLocalDpi xmlns:a14="http://schemas.microsoft.com/office/drawing/2010/main" val="0"/>
+              </a:ext>
+            </a:extLst>
+          </a:blip>
+          <a:stretch>
+            <a:fillRect/>
+          </a:stretch>
+        </p:blipFill>
+        <p:spPr>
+          <a:xfrm>
+            <a:off x="7540668" y="2322324"/>
+            <a:ext cx="2034245" cy="1127553"/>
+          </a:xfrm>
+          <a:prstGeom prst="rect">
+            <a:avLst/>
+          </a:prstGeom>
+        </p:spPr>
+      </p:pic>
+      <p:pic>
+        <p:nvPicPr>
+          <p:cNvPr id="10" name="Image 9"/>
+          <p:cNvPicPr>
+            <a:picLocks noChangeAspect="1"/>
+          </p:cNvPicPr>
+          <p:nvPr/>
+        </p:nvPicPr>
+        <p:blipFill>
+          <a:blip r:embed="rId5">
+            <a:extLst>
+              <a:ext uri="{28A0092B-C50C-407E-A947-70E740481C1C}">
+                <a14:useLocalDpi xmlns:a14="http://schemas.microsoft.com/office/drawing/2010/main" val="0"/>
+              </a:ext>
+            </a:extLst>
+          </a:blip>
+          <a:stretch>
+            <a:fillRect/>
+          </a:stretch>
+        </p:blipFill>
+        <p:spPr>
+          <a:xfrm>
+            <a:off x="4479045" y="3816785"/>
+            <a:ext cx="2147223" cy="1194242"/>
+          </a:xfrm>
+          <a:prstGeom prst="rect">
+            <a:avLst/>
+          </a:prstGeom>
+        </p:spPr>
+      </p:pic>
+      <p:pic>
+        <p:nvPicPr>
+          <p:cNvPr id="14" name="Image 13"/>
+          <p:cNvPicPr>
+            <a:picLocks noChangeAspect="1"/>
+          </p:cNvPicPr>
+          <p:nvPr/>
+        </p:nvPicPr>
+        <p:blipFill>
+          <a:blip r:embed="rId6">
+            <a:extLst>
+              <a:ext uri="{28A0092B-C50C-407E-A947-70E740481C1C}">
+                <a14:useLocalDpi xmlns:a14="http://schemas.microsoft.com/office/drawing/2010/main" val="0"/>
+              </a:ext>
+            </a:extLst>
+          </a:blip>
+          <a:stretch>
+            <a:fillRect/>
+          </a:stretch>
+        </p:blipFill>
+        <p:spPr>
+          <a:xfrm>
+            <a:off x="1691015" y="5708883"/>
+            <a:ext cx="3516300" cy="1044234"/>
+          </a:xfrm>
+          <a:prstGeom prst="rect">
+            <a:avLst/>
+          </a:prstGeom>
+        </p:spPr>
+      </p:pic>
     </p:spTree>
     <p:extLst>
       <p:ext uri="{BB962C8B-B14F-4D97-AF65-F5344CB8AC3E}">
-        <p14:creationId xmlns:p14="http://schemas.microsoft.com/office/powerpoint/2010/main" val="509088624"/>
+        <p14:creationId xmlns:p14="http://schemas.microsoft.com/office/powerpoint/2010/main" val="1572946791"/>
       </p:ext>
     </p:extLst>
   </p:cSld>
@@ -4468,6 +4606,534 @@
 </file>
 
 <file path=ppt/slides/slide5.xml><?xml version="1.0" encoding="utf-8"?>
+<p:sld xmlns:a="http://schemas.openxmlformats.org/drawingml/2006/main" xmlns:r="http://schemas.openxmlformats.org/officeDocument/2006/relationships" xmlns:p="http://schemas.openxmlformats.org/presentationml/2006/main">
+  <p:cSld>
+    <p:spTree>
+      <p:nvGrpSpPr>
+        <p:cNvPr id="1" name=""/>
+        <p:cNvGrpSpPr/>
+        <p:nvPr/>
+      </p:nvGrpSpPr>
+      <p:grpSpPr>
+        <a:xfrm>
+          <a:off x="0" y="0"/>
+          <a:ext cx="0" cy="0"/>
+          <a:chOff x="0" y="0"/>
+          <a:chExt cx="0" cy="0"/>
+        </a:xfrm>
+      </p:grpSpPr>
+      <p:sp>
+        <p:nvSpPr>
+          <p:cNvPr id="11" name="Rectangle 8">
+            <a:extLst>
+              <a:ext uri="{FF2B5EF4-FFF2-40B4-BE49-F238E27FC236}">
+                <a16:creationId xmlns:a16="http://schemas.microsoft.com/office/drawing/2014/main" xmlns="" id="{31EC9893-997B-FAF1-44A7-86DC576C44E1}"/>
+              </a:ext>
+            </a:extLst>
+          </p:cNvPr>
+          <p:cNvSpPr>
+            <a:spLocks noChangeArrowheads="1"/>
+          </p:cNvSpPr>
+          <p:nvPr/>
+        </p:nvSpPr>
+        <p:spPr bwMode="auto">
+          <a:xfrm>
+            <a:off x="798070" y="727241"/>
+            <a:ext cx="11200090" cy="646331"/>
+          </a:xfrm>
+          <a:prstGeom prst="rect">
+            <a:avLst/>
+          </a:prstGeom>
+          <a:noFill/>
+          <a:ln>
+            <a:noFill/>
+          </a:ln>
+          <a:effectLst/>
+          <a:extLst>
+            <a:ext uri="{909E8E84-426E-40DD-AFC4-6F175D3DCCD1}">
+              <a14:hiddenFill xmlns:a14="http://schemas.microsoft.com/office/drawing/2010/main">
+                <a:solidFill>
+                  <a:schemeClr val="accent1"/>
+                </a:solidFill>
+              </a14:hiddenFill>
+            </a:ext>
+            <a:ext uri="{91240B29-F687-4F45-9708-019B960494DF}">
+              <a14:hiddenLine xmlns:a14="http://schemas.microsoft.com/office/drawing/2010/main" w="9525">
+                <a:solidFill>
+                  <a:schemeClr val="tx1"/>
+                </a:solidFill>
+                <a:miter lim="800000"/>
+                <a:headEnd/>
+                <a:tailEnd/>
+              </a14:hiddenLine>
+            </a:ext>
+            <a:ext uri="{AF507438-7753-43E0-B8FC-AC1667EBCBE1}">
+              <a14:hiddenEffects xmlns:a14="http://schemas.microsoft.com/office/drawing/2010/main">
+                <a:effectLst>
+                  <a:outerShdw dist="35921" dir="2700000" algn="ctr" rotWithShape="0">
+                    <a:schemeClr val="bg2"/>
+                  </a:outerShdw>
+                </a:effectLst>
+              </a14:hiddenEffects>
+            </a:ext>
+          </a:extLst>
+        </p:spPr>
+        <p:txBody>
+          <a:bodyPr vert="horz" wrap="square" lIns="91440" tIns="45720" rIns="91440" bIns="45720" numCol="1" anchor="ctr" anchorCtr="0" compatLnSpc="1">
+            <a:prstTxWarp prst="textNoShape">
+              <a:avLst/>
+            </a:prstTxWarp>
+            <a:spAutoFit/>
+          </a:bodyPr>
+          <a:lstStyle>
+            <a:lvl1pPr eaLnBrk="0" fontAlgn="base" hangingPunct="0">
+              <a:spcBef>
+                <a:spcPct val="0"/>
+              </a:spcBef>
+              <a:spcAft>
+                <a:spcPct val="0"/>
+              </a:spcAft>
+              <a:tabLst>
+                <a:tab pos="2376488" algn="l"/>
+              </a:tabLst>
+              <a:defRPr>
+                <a:solidFill>
+                  <a:schemeClr val="tx1"/>
+                </a:solidFill>
+                <a:latin typeface="Arial" panose="020B0604020202020204" pitchFamily="34" charset="0"/>
+              </a:defRPr>
+            </a:lvl1pPr>
+            <a:lvl2pPr eaLnBrk="0" fontAlgn="base" hangingPunct="0">
+              <a:spcBef>
+                <a:spcPct val="0"/>
+              </a:spcBef>
+              <a:spcAft>
+                <a:spcPct val="0"/>
+              </a:spcAft>
+              <a:tabLst>
+                <a:tab pos="2376488" algn="l"/>
+              </a:tabLst>
+              <a:defRPr>
+                <a:solidFill>
+                  <a:schemeClr val="tx1"/>
+                </a:solidFill>
+                <a:latin typeface="Arial" panose="020B0604020202020204" pitchFamily="34" charset="0"/>
+              </a:defRPr>
+            </a:lvl2pPr>
+            <a:lvl3pPr eaLnBrk="0" fontAlgn="base" hangingPunct="0">
+              <a:spcBef>
+                <a:spcPct val="0"/>
+              </a:spcBef>
+              <a:spcAft>
+                <a:spcPct val="0"/>
+              </a:spcAft>
+              <a:tabLst>
+                <a:tab pos="2376488" algn="l"/>
+              </a:tabLst>
+              <a:defRPr>
+                <a:solidFill>
+                  <a:schemeClr val="tx1"/>
+                </a:solidFill>
+                <a:latin typeface="Arial" panose="020B0604020202020204" pitchFamily="34" charset="0"/>
+              </a:defRPr>
+            </a:lvl3pPr>
+            <a:lvl4pPr eaLnBrk="0" fontAlgn="base" hangingPunct="0">
+              <a:spcBef>
+                <a:spcPct val="0"/>
+              </a:spcBef>
+              <a:spcAft>
+                <a:spcPct val="0"/>
+              </a:spcAft>
+              <a:tabLst>
+                <a:tab pos="2376488" algn="l"/>
+              </a:tabLst>
+              <a:defRPr>
+                <a:solidFill>
+                  <a:schemeClr val="tx1"/>
+                </a:solidFill>
+                <a:latin typeface="Arial" panose="020B0604020202020204" pitchFamily="34" charset="0"/>
+              </a:defRPr>
+            </a:lvl4pPr>
+            <a:lvl5pPr eaLnBrk="0" fontAlgn="base" hangingPunct="0">
+              <a:spcBef>
+                <a:spcPct val="0"/>
+              </a:spcBef>
+              <a:spcAft>
+                <a:spcPct val="0"/>
+              </a:spcAft>
+              <a:tabLst>
+                <a:tab pos="2376488" algn="l"/>
+              </a:tabLst>
+              <a:defRPr>
+                <a:solidFill>
+                  <a:schemeClr val="tx1"/>
+                </a:solidFill>
+                <a:latin typeface="Arial" panose="020B0604020202020204" pitchFamily="34" charset="0"/>
+              </a:defRPr>
+            </a:lvl5pPr>
+            <a:lvl6pPr eaLnBrk="0" fontAlgn="base" hangingPunct="0">
+              <a:spcBef>
+                <a:spcPct val="0"/>
+              </a:spcBef>
+              <a:spcAft>
+                <a:spcPct val="0"/>
+              </a:spcAft>
+              <a:tabLst>
+                <a:tab pos="2376488" algn="l"/>
+              </a:tabLst>
+              <a:defRPr>
+                <a:solidFill>
+                  <a:schemeClr val="tx1"/>
+                </a:solidFill>
+                <a:latin typeface="Arial" panose="020B0604020202020204" pitchFamily="34" charset="0"/>
+              </a:defRPr>
+            </a:lvl6pPr>
+            <a:lvl7pPr eaLnBrk="0" fontAlgn="base" hangingPunct="0">
+              <a:spcBef>
+                <a:spcPct val="0"/>
+              </a:spcBef>
+              <a:spcAft>
+                <a:spcPct val="0"/>
+              </a:spcAft>
+              <a:tabLst>
+                <a:tab pos="2376488" algn="l"/>
+              </a:tabLst>
+              <a:defRPr>
+                <a:solidFill>
+                  <a:schemeClr val="tx1"/>
+                </a:solidFill>
+                <a:latin typeface="Arial" panose="020B0604020202020204" pitchFamily="34" charset="0"/>
+              </a:defRPr>
+            </a:lvl7pPr>
+            <a:lvl8pPr eaLnBrk="0" fontAlgn="base" hangingPunct="0">
+              <a:spcBef>
+                <a:spcPct val="0"/>
+              </a:spcBef>
+              <a:spcAft>
+                <a:spcPct val="0"/>
+              </a:spcAft>
+              <a:tabLst>
+                <a:tab pos="2376488" algn="l"/>
+              </a:tabLst>
+              <a:defRPr>
+                <a:solidFill>
+                  <a:schemeClr val="tx1"/>
+                </a:solidFill>
+                <a:latin typeface="Arial" panose="020B0604020202020204" pitchFamily="34" charset="0"/>
+              </a:defRPr>
+            </a:lvl8pPr>
+            <a:lvl9pPr eaLnBrk="0" fontAlgn="base" hangingPunct="0">
+              <a:spcBef>
+                <a:spcPct val="0"/>
+              </a:spcBef>
+              <a:spcAft>
+                <a:spcPct val="0"/>
+              </a:spcAft>
+              <a:tabLst>
+                <a:tab pos="2376488" algn="l"/>
+              </a:tabLst>
+              <a:defRPr>
+                <a:solidFill>
+                  <a:schemeClr val="tx1"/>
+                </a:solidFill>
+                <a:latin typeface="Arial" panose="020B0604020202020204" pitchFamily="34" charset="0"/>
+              </a:defRPr>
+            </a:lvl9pPr>
+          </a:lstStyle>
+          <a:p>
+            <a:pPr algn="r" rtl="1"/>
+            <a:r>
+              <a:rPr lang="ar-DZ" sz="3600" dirty="0" smtClean="0">
+                <a:cs typeface="+mj-cs"/>
+              </a:rPr>
+              <a:t>وظف هذه اللبنات و استنتج دورها :</a:t>
+            </a:r>
+            <a:endParaRPr lang="ar-DZ" sz="3600" dirty="0">
+              <a:cs typeface="+mj-cs"/>
+            </a:endParaRPr>
+          </a:p>
+        </p:txBody>
+      </p:sp>
+      <p:sp>
+        <p:nvSpPr>
+          <p:cNvPr id="12" name="ZoneTexte 11">
+            <a:extLst>
+              <a:ext uri="{FF2B5EF4-FFF2-40B4-BE49-F238E27FC236}">
+                <a16:creationId xmlns:a16="http://schemas.microsoft.com/office/drawing/2014/main" xmlns="" id="{0B494AC6-9B2E-422F-B16A-015D6B0BA580}"/>
+              </a:ext>
+            </a:extLst>
+          </p:cNvPr>
+          <p:cNvSpPr txBox="1"/>
+          <p:nvPr/>
+        </p:nvSpPr>
+        <p:spPr>
+          <a:xfrm>
+            <a:off x="1007459" y="35911"/>
+            <a:ext cx="11412983" cy="718466"/>
+          </a:xfrm>
+          <a:prstGeom prst="rect">
+            <a:avLst/>
+          </a:prstGeom>
+          <a:noFill/>
+        </p:spPr>
+        <p:txBody>
+          <a:bodyPr wrap="square">
+            <a:spAutoFit/>
+          </a:bodyPr>
+          <a:lstStyle/>
+          <a:p>
+            <a:pPr marL="457200" algn="r" rtl="1">
+              <a:lnSpc>
+                <a:spcPct val="107000"/>
+              </a:lnSpc>
+              <a:spcAft>
+                <a:spcPts val="800"/>
+              </a:spcAft>
+              <a:tabLst>
+                <a:tab pos="2376805" algn="l"/>
+              </a:tabLst>
+            </a:pPr>
+            <a:r>
+              <a:rPr lang="ar-DZ" sz="4000" b="1" u="sng" dirty="0" smtClean="0">
+                <a:solidFill>
+                  <a:srgbClr val="FF0000"/>
+                </a:solidFill>
+                <a:latin typeface="Calibri" panose="020F0502020204030204" pitchFamily="34" charset="0"/>
+                <a:ea typeface="Calibri" panose="020F0502020204030204" pitchFamily="34" charset="0"/>
+                <a:cs typeface="Times New Roman" panose="02020603050405020304" pitchFamily="18" charset="0"/>
+              </a:rPr>
+              <a:t>نشاط </a:t>
+            </a:r>
+            <a:r>
+              <a:rPr lang="ar-DZ" sz="4000" b="1" u="sng" dirty="0" smtClean="0">
+                <a:solidFill>
+                  <a:srgbClr val="FF0000"/>
+                </a:solidFill>
+                <a:latin typeface="Calibri" panose="020F0502020204030204" pitchFamily="34" charset="0"/>
+                <a:ea typeface="Calibri" panose="020F0502020204030204" pitchFamily="34" charset="0"/>
+                <a:cs typeface="Times New Roman" panose="02020603050405020304" pitchFamily="18" charset="0"/>
+              </a:rPr>
+              <a:t>01 </a:t>
+            </a:r>
+            <a:r>
+              <a:rPr lang="ar-DZ" sz="4000" b="1" u="sng" dirty="0" smtClean="0">
+                <a:solidFill>
+                  <a:srgbClr val="FF0000"/>
+                </a:solidFill>
+                <a:latin typeface="Calibri" panose="020F0502020204030204" pitchFamily="34" charset="0"/>
+                <a:ea typeface="Calibri" panose="020F0502020204030204" pitchFamily="34" charset="0"/>
+                <a:cs typeface="Times New Roman" panose="02020603050405020304" pitchFamily="18" charset="0"/>
+              </a:rPr>
+              <a:t>:</a:t>
+            </a:r>
+            <a:endParaRPr lang="fr-FR" sz="2400" dirty="0">
+              <a:effectLst/>
+              <a:latin typeface="Calibri" panose="020F0502020204030204" pitchFamily="34" charset="0"/>
+              <a:ea typeface="Calibri" panose="020F0502020204030204" pitchFamily="34" charset="0"/>
+              <a:cs typeface="Arial" panose="020B0604020202020204" pitchFamily="34" charset="0"/>
+            </a:endParaRPr>
+          </a:p>
+        </p:txBody>
+      </p:sp>
+      <p:sp>
+        <p:nvSpPr>
+          <p:cNvPr id="13" name="Rectangle 9">
+            <a:extLst>
+              <a:ext uri="{FF2B5EF4-FFF2-40B4-BE49-F238E27FC236}">
+                <a16:creationId xmlns:a16="http://schemas.microsoft.com/office/drawing/2014/main" xmlns="" id="{894EDA96-9226-5939-95FB-4A21ACC79E4A}"/>
+              </a:ext>
+            </a:extLst>
+          </p:cNvPr>
+          <p:cNvSpPr>
+            <a:spLocks noChangeArrowheads="1"/>
+          </p:cNvSpPr>
+          <p:nvPr/>
+        </p:nvSpPr>
+        <p:spPr bwMode="auto">
+          <a:xfrm>
+            <a:off x="0" y="960273"/>
+            <a:ext cx="0" cy="0"/>
+          </a:xfrm>
+          <a:prstGeom prst="rect">
+            <a:avLst/>
+          </a:prstGeom>
+          <a:solidFill>
+            <a:schemeClr val="accent1"/>
+          </a:solidFill>
+          <a:ln w="9525">
+            <a:solidFill>
+              <a:schemeClr val="tx1"/>
+            </a:solidFill>
+            <a:miter lim="800000"/>
+            <a:headEnd/>
+            <a:tailEnd/>
+          </a:ln>
+          <a:effectLst/>
+          <a:extLst>
+            <a:ext uri="{AF507438-7753-43E0-B8FC-AC1667EBCBE1}">
+              <a14:hiddenEffects xmlns:a14="http://schemas.microsoft.com/office/drawing/2010/main">
+                <a:effectLst>
+                  <a:outerShdw dist="35921" dir="2700000" algn="ctr" rotWithShape="0">
+                    <a:schemeClr val="bg2"/>
+                  </a:outerShdw>
+                </a:effectLst>
+              </a14:hiddenEffects>
+            </a:ext>
+          </a:extLst>
+        </p:spPr>
+        <p:txBody>
+          <a:bodyPr vert="horz" wrap="square" lIns="91440" tIns="45720" rIns="91440" bIns="45720" numCol="1" anchor="t" anchorCtr="0" compatLnSpc="1">
+            <a:prstTxWarp prst="textNoShape">
+              <a:avLst/>
+            </a:prstTxWarp>
+          </a:bodyPr>
+          <a:lstStyle/>
+          <a:p>
+            <a:endParaRPr lang="fr-FR"/>
+          </a:p>
+        </p:txBody>
+      </p:sp>
+      <p:pic>
+        <p:nvPicPr>
+          <p:cNvPr id="2" name="Image 1"/>
+          <p:cNvPicPr>
+            <a:picLocks noChangeAspect="1"/>
+          </p:cNvPicPr>
+          <p:nvPr/>
+        </p:nvPicPr>
+        <p:blipFill>
+          <a:blip r:embed="rId2">
+            <a:extLst>
+              <a:ext uri="{28A0092B-C50C-407E-A947-70E740481C1C}">
+                <a14:useLocalDpi xmlns:a14="http://schemas.microsoft.com/office/drawing/2010/main" val="0"/>
+              </a:ext>
+            </a:extLst>
+          </a:blip>
+          <a:stretch>
+            <a:fillRect/>
+          </a:stretch>
+        </p:blipFill>
+        <p:spPr>
+          <a:xfrm>
+            <a:off x="7054116" y="1594437"/>
+            <a:ext cx="4886883" cy="1383237"/>
+          </a:xfrm>
+          <a:prstGeom prst="rect">
+            <a:avLst/>
+          </a:prstGeom>
+        </p:spPr>
+      </p:pic>
+      <p:pic>
+        <p:nvPicPr>
+          <p:cNvPr id="3" name="Image 2"/>
+          <p:cNvPicPr>
+            <a:picLocks noChangeAspect="1"/>
+          </p:cNvPicPr>
+          <p:nvPr/>
+        </p:nvPicPr>
+        <p:blipFill>
+          <a:blip r:embed="rId3">
+            <a:extLst>
+              <a:ext uri="{28A0092B-C50C-407E-A947-70E740481C1C}">
+                <a14:useLocalDpi xmlns:a14="http://schemas.microsoft.com/office/drawing/2010/main" val="0"/>
+              </a:ext>
+            </a:extLst>
+          </a:blip>
+          <a:stretch>
+            <a:fillRect/>
+          </a:stretch>
+        </p:blipFill>
+        <p:spPr>
+          <a:xfrm>
+            <a:off x="1625064" y="1613282"/>
+            <a:ext cx="5001203" cy="1383236"/>
+          </a:xfrm>
+          <a:prstGeom prst="rect">
+            <a:avLst/>
+          </a:prstGeom>
+        </p:spPr>
+      </p:pic>
+      <p:pic>
+        <p:nvPicPr>
+          <p:cNvPr id="4" name="Image 3"/>
+          <p:cNvPicPr>
+            <a:picLocks noChangeAspect="1"/>
+          </p:cNvPicPr>
+          <p:nvPr/>
+        </p:nvPicPr>
+        <p:blipFill>
+          <a:blip r:embed="rId4">
+            <a:extLst>
+              <a:ext uri="{28A0092B-C50C-407E-A947-70E740481C1C}">
+                <a14:useLocalDpi xmlns:a14="http://schemas.microsoft.com/office/drawing/2010/main" val="0"/>
+              </a:ext>
+            </a:extLst>
+          </a:blip>
+          <a:stretch>
+            <a:fillRect/>
+          </a:stretch>
+        </p:blipFill>
+        <p:spPr>
+          <a:xfrm>
+            <a:off x="6996957" y="3501180"/>
+            <a:ext cx="5001203" cy="1411751"/>
+          </a:xfrm>
+          <a:prstGeom prst="rect">
+            <a:avLst/>
+          </a:prstGeom>
+        </p:spPr>
+      </p:pic>
+      <p:pic>
+        <p:nvPicPr>
+          <p:cNvPr id="5" name="Image 4"/>
+          <p:cNvPicPr>
+            <a:picLocks noChangeAspect="1"/>
+          </p:cNvPicPr>
+          <p:nvPr/>
+        </p:nvPicPr>
+        <p:blipFill>
+          <a:blip r:embed="rId5">
+            <a:extLst>
+              <a:ext uri="{28A0092B-C50C-407E-A947-70E740481C1C}">
+                <a14:useLocalDpi xmlns:a14="http://schemas.microsoft.com/office/drawing/2010/main" val="0"/>
+              </a:ext>
+            </a:extLst>
+          </a:blip>
+          <a:stretch>
+            <a:fillRect/>
+          </a:stretch>
+        </p:blipFill>
+        <p:spPr>
+          <a:xfrm>
+            <a:off x="1625064" y="3449060"/>
+            <a:ext cx="5001203" cy="1515990"/>
+          </a:xfrm>
+          <a:prstGeom prst="rect">
+            <a:avLst/>
+          </a:prstGeom>
+        </p:spPr>
+      </p:pic>
+    </p:spTree>
+    <p:extLst>
+      <p:ext uri="{BB962C8B-B14F-4D97-AF65-F5344CB8AC3E}">
+        <p14:creationId xmlns:p14="http://schemas.microsoft.com/office/powerpoint/2010/main" val="1340825675"/>
+      </p:ext>
+    </p:extLst>
+  </p:cSld>
+  <p:clrMapOvr>
+    <a:masterClrMapping/>
+  </p:clrMapOvr>
+  <p:timing>
+    <p:tnLst>
+      <p:par>
+        <p:cTn id="1" dur="indefinite" restart="never" nodeType="tmRoot"/>
+      </p:par>
+    </p:tnLst>
+  </p:timing>
+</p:sld>
+</file>
+
+<file path=ppt/slides/slide6.xml><?xml version="1.0" encoding="utf-8"?>
 <p:sld xmlns:a="http://schemas.openxmlformats.org/drawingml/2006/main" xmlns:r="http://schemas.openxmlformats.org/officeDocument/2006/relationships" xmlns:p="http://schemas.openxmlformats.org/presentationml/2006/main">
   <p:cSld>
     <p:bg>
@@ -4676,8 +5342,8 @@
         </p:nvSpPr>
         <p:spPr bwMode="auto">
           <a:xfrm>
-            <a:off x="200416" y="-230832"/>
-            <a:ext cx="11761940" cy="7017306"/>
+            <a:off x="263047" y="132361"/>
+            <a:ext cx="11761940" cy="553998"/>
           </a:xfrm>
           <a:prstGeom prst="rect">
             <a:avLst/>
@@ -4726,332 +5392,50 @@
           <a:lstStyle/>
           <a:p>
             <a:pPr marL="514350" indent="-514350" algn="r" rtl="1">
-              <a:lnSpc>
-                <a:spcPct val="200000"/>
-              </a:lnSpc>
               <a:buFont typeface="+mj-lt"/>
               <a:buAutoNum type="arabicPeriod"/>
             </a:pPr>
             <a:r>
-              <a:rPr lang="ar-DZ" sz="3000" b="1" u="sng" dirty="0" err="1" smtClean="0">
+              <a:rPr lang="ar-DZ" sz="3000" b="1" u="sng" dirty="0" smtClean="0">
                 <a:solidFill>
                   <a:srgbClr val="FF0000"/>
                 </a:solidFill>
               </a:rPr>
-              <a:t>الإنتقال</a:t>
-            </a:r>
-            <a:r>
-              <a:rPr lang="ar-DZ" sz="3000" b="1" u="sng" dirty="0" smtClean="0">
-                <a:solidFill>
-                  <a:srgbClr val="FF0000"/>
-                </a:solidFill>
-              </a:rPr>
-              <a:t> </a:t>
-            </a:r>
-            <a:r>
-              <a:rPr lang="ar-DZ" sz="3000" b="1" u="sng" dirty="0">
-                <a:solidFill>
-                  <a:srgbClr val="FF0000"/>
-                </a:solidFill>
-              </a:rPr>
-              <a:t>بين الشرائح : </a:t>
-            </a:r>
-            <a:endParaRPr lang="fr-FR" sz="3000" u="sng" dirty="0">
-              <a:solidFill>
-                <a:srgbClr val="FF0000"/>
-              </a:solidFill>
-            </a:endParaRPr>
-          </a:p>
-          <a:p>
-            <a:pPr algn="r" rtl="1"/>
-            <a:r>
-              <a:rPr lang="ar-DZ" sz="3000" dirty="0"/>
-              <a:t>يمكن إضافة تأثيرات </a:t>
-            </a:r>
-            <a:r>
-              <a:rPr lang="ar-DZ" sz="3000" dirty="0" err="1"/>
-              <a:t>الإنتقال</a:t>
-            </a:r>
-            <a:r>
-              <a:rPr lang="ar-DZ" sz="3000" dirty="0"/>
-              <a:t> من شريحة لأخرى و ضبطها في </a:t>
-            </a:r>
-            <a:r>
-              <a:rPr lang="ar-DZ" sz="3000" dirty="0" smtClean="0"/>
-              <a:t>التبويب</a:t>
-            </a:r>
-            <a:r>
-              <a:rPr lang="fr-FR" sz="3000" dirty="0" smtClean="0"/>
-              <a:t>Transitions </a:t>
-            </a:r>
-            <a:r>
-              <a:rPr lang="ar-DZ" sz="3000" dirty="0" smtClean="0"/>
-              <a:t> بحيث </a:t>
-            </a:r>
-            <a:r>
-              <a:rPr lang="ar-DZ" sz="3000" dirty="0"/>
-              <a:t>:</a:t>
-            </a:r>
-            <a:endParaRPr lang="fr-FR" sz="3000" dirty="0"/>
-          </a:p>
-          <a:p>
-            <a:pPr marL="914400" lvl="1" indent="-457200" algn="r" rtl="1">
-              <a:buFont typeface="Arial" panose="020B0604020202020204" pitchFamily="34" charset="0"/>
-              <a:buChar char="•"/>
-            </a:pPr>
-            <a:r>
-              <a:rPr lang="ar-DZ" sz="3000" dirty="0" smtClean="0">
-                <a:solidFill>
-                  <a:srgbClr val="00B050"/>
-                </a:solidFill>
-              </a:rPr>
-              <a:t>المجموعة</a:t>
-            </a:r>
-            <a:r>
-              <a:rPr lang="fr-FR" sz="3000" dirty="0" smtClean="0">
-                <a:solidFill>
-                  <a:srgbClr val="00B050"/>
-                </a:solidFill>
-              </a:rPr>
-              <a:t> Transition </a:t>
-            </a:r>
-            <a:r>
-              <a:rPr lang="fr-FR" sz="3000" dirty="0">
-                <a:solidFill>
-                  <a:srgbClr val="00B050"/>
-                </a:solidFill>
-              </a:rPr>
-              <a:t>vers cette diapositive </a:t>
-            </a:r>
-            <a:r>
-              <a:rPr lang="ar-DZ" sz="3000" dirty="0">
-                <a:solidFill>
-                  <a:srgbClr val="00B050"/>
-                </a:solidFill>
-              </a:rPr>
-              <a:t>: </a:t>
-            </a:r>
-            <a:r>
-              <a:rPr lang="ar-DZ" sz="3000" dirty="0"/>
-              <a:t>لضبط التأثير البصري الذي يسبق ظهور هذه الشريحة</a:t>
-            </a:r>
-            <a:endParaRPr lang="fr-FR" sz="3000" dirty="0"/>
-          </a:p>
-          <a:p>
-            <a:pPr marL="914400" lvl="1" indent="-457200" algn="r" rtl="1">
-              <a:buFont typeface="Arial" panose="020B0604020202020204" pitchFamily="34" charset="0"/>
-              <a:buChar char="•"/>
-            </a:pPr>
-            <a:r>
-              <a:rPr lang="fr-FR" sz="3000" dirty="0">
-                <a:solidFill>
-                  <a:srgbClr val="00B050"/>
-                </a:solidFill>
-              </a:rPr>
-              <a:t>Son</a:t>
-            </a:r>
-            <a:r>
-              <a:rPr lang="ar-DZ" sz="3000" dirty="0">
-                <a:solidFill>
-                  <a:srgbClr val="00B050"/>
-                </a:solidFill>
-              </a:rPr>
-              <a:t> : </a:t>
-            </a:r>
-            <a:r>
-              <a:rPr lang="ar-DZ" sz="3000" dirty="0"/>
-              <a:t>ضبط الصوت المصاحب لظهور الشريحة</a:t>
-            </a:r>
-            <a:endParaRPr lang="fr-FR" sz="3000" dirty="0"/>
-          </a:p>
-          <a:p>
-            <a:pPr marL="914400" lvl="1" indent="-457200" algn="r" rtl="1">
-              <a:buFont typeface="Arial" panose="020B0604020202020204" pitchFamily="34" charset="0"/>
-              <a:buChar char="•"/>
-            </a:pPr>
-            <a:r>
-              <a:rPr lang="fr-FR" sz="3000" dirty="0">
-                <a:solidFill>
-                  <a:srgbClr val="00B050"/>
-                </a:solidFill>
-              </a:rPr>
-              <a:t>Durée</a:t>
-            </a:r>
-            <a:r>
-              <a:rPr lang="ar-DZ" sz="3000" dirty="0">
-                <a:solidFill>
-                  <a:srgbClr val="00B050"/>
-                </a:solidFill>
-              </a:rPr>
-              <a:t> : </a:t>
-            </a:r>
-            <a:r>
-              <a:rPr lang="ar-DZ" sz="3000" dirty="0"/>
-              <a:t>ضبط الزمن الذي تستغرقه الشريحة للظهور</a:t>
-            </a:r>
-            <a:endParaRPr lang="fr-FR" sz="3000" dirty="0"/>
-          </a:p>
-          <a:p>
-            <a:pPr marL="914400" lvl="1" indent="-457200" algn="r" rtl="1">
-              <a:buFont typeface="Arial" panose="020B0604020202020204" pitchFamily="34" charset="0"/>
-              <a:buChar char="•"/>
-            </a:pPr>
-            <a:r>
-              <a:rPr lang="fr-FR" sz="3000" dirty="0">
-                <a:solidFill>
-                  <a:srgbClr val="00B050"/>
-                </a:solidFill>
-              </a:rPr>
-              <a:t>Manuellement</a:t>
-            </a:r>
-            <a:r>
-              <a:rPr lang="ar-DZ" sz="3000" dirty="0">
-                <a:solidFill>
-                  <a:srgbClr val="00B050"/>
-                </a:solidFill>
-              </a:rPr>
-              <a:t> :</a:t>
-            </a:r>
-            <a:r>
-              <a:rPr lang="ar-DZ" sz="3000" dirty="0"/>
-              <a:t> </a:t>
-            </a:r>
-            <a:r>
-              <a:rPr lang="ar-DZ" sz="3000" dirty="0" err="1"/>
-              <a:t>الإنتقال</a:t>
-            </a:r>
-            <a:r>
-              <a:rPr lang="ar-DZ" sz="3000" dirty="0"/>
-              <a:t> إلى الشريحة الموالية يدويا (بالضغط على أسهم لوحة المفاتيح)</a:t>
-            </a:r>
-            <a:endParaRPr lang="fr-FR" sz="3000" dirty="0"/>
-          </a:p>
-          <a:p>
-            <a:pPr marL="914400" lvl="1" indent="-457200" algn="r" rtl="1">
-              <a:buFont typeface="Arial" panose="020B0604020202020204" pitchFamily="34" charset="0"/>
-              <a:buChar char="•"/>
-            </a:pPr>
-            <a:r>
-              <a:rPr lang="fr-FR" sz="3000" dirty="0" err="1">
-                <a:solidFill>
-                  <a:srgbClr val="00B050"/>
-                </a:solidFill>
-              </a:rPr>
-              <a:t>Aprés</a:t>
-            </a:r>
-            <a:r>
-              <a:rPr lang="ar-DZ" sz="3000" dirty="0">
-                <a:solidFill>
-                  <a:srgbClr val="00B050"/>
-                </a:solidFill>
-              </a:rPr>
-              <a:t> : </a:t>
-            </a:r>
-            <a:r>
-              <a:rPr lang="ar-DZ" sz="3000" dirty="0" err="1"/>
-              <a:t>الإنتقال</a:t>
-            </a:r>
-            <a:r>
-              <a:rPr lang="ar-DZ" sz="3000" dirty="0"/>
-              <a:t> إلى الشريحة الموالية تلقائيا بعد مرور مدة زمنية يحددها المستخدم.</a:t>
-            </a:r>
-            <a:endParaRPr lang="fr-FR" sz="3000" dirty="0"/>
-          </a:p>
-          <a:p>
-            <a:pPr algn="r" rtl="1"/>
-            <a:r>
-              <a:rPr lang="ar-DZ" sz="3000" dirty="0"/>
-              <a:t> </a:t>
-            </a:r>
-            <a:endParaRPr lang="fr-FR" sz="3000" dirty="0"/>
-          </a:p>
-          <a:p>
-            <a:pPr algn="r" rtl="1"/>
-            <a:r>
-              <a:rPr lang="ar-DZ" sz="3000" b="1" u="sng" dirty="0" smtClean="0">
-                <a:solidFill>
-                  <a:srgbClr val="FF0000"/>
-                </a:solidFill>
-              </a:rPr>
-              <a:t>ملاحظات</a:t>
-            </a:r>
-            <a:r>
-              <a:rPr lang="fr-FR" sz="3000" b="1" u="sng" dirty="0" smtClean="0">
-                <a:solidFill>
-                  <a:srgbClr val="FF0000"/>
-                </a:solidFill>
-              </a:rPr>
-              <a:t> </a:t>
-            </a:r>
-            <a:r>
-              <a:rPr lang="ar-DZ" sz="3000" b="1" u="sng" dirty="0" smtClean="0">
-                <a:solidFill>
-                  <a:srgbClr val="FF0000"/>
-                </a:solidFill>
-              </a:rPr>
-              <a:t>:</a:t>
-            </a:r>
-            <a:endParaRPr lang="fr-FR" sz="3000" dirty="0">
-              <a:solidFill>
-                <a:srgbClr val="FF0000"/>
-              </a:solidFill>
-            </a:endParaRPr>
-          </a:p>
-          <a:p>
-            <a:pPr marL="457200" lvl="0" indent="-457200" algn="r" rtl="1">
-              <a:buFont typeface="Arial" panose="020B0604020202020204" pitchFamily="34" charset="0"/>
-              <a:buChar char="•"/>
-            </a:pPr>
-            <a:r>
-              <a:rPr lang="ar-DZ" sz="3000" dirty="0"/>
-              <a:t>لتشغيل الوضع "العرض الكامل" ننقر على التبويب </a:t>
-            </a:r>
-            <a:r>
-              <a:rPr lang="fr-FR" sz="3000" dirty="0"/>
-              <a:t>Diaporama</a:t>
-            </a:r>
-            <a:r>
-              <a:rPr lang="ar-DZ" sz="3000" dirty="0"/>
-              <a:t> ثم </a:t>
-            </a:r>
-            <a:r>
-              <a:rPr lang="ar-DZ" sz="3000" dirty="0" smtClean="0"/>
-              <a:t>نختار</a:t>
-            </a:r>
-          </a:p>
-          <a:p>
-            <a:pPr lvl="1" algn="r" rtl="1"/>
-            <a:r>
-              <a:rPr lang="fr-FR" sz="3000" dirty="0" smtClean="0"/>
-              <a:t>A </a:t>
-            </a:r>
-            <a:r>
-              <a:rPr lang="fr-FR" sz="3000" dirty="0"/>
-              <a:t>partir du </a:t>
-            </a:r>
-            <a:r>
-              <a:rPr lang="fr-FR" sz="3000" dirty="0" smtClean="0"/>
-              <a:t>début</a:t>
-            </a:r>
-            <a:endParaRPr lang="fr-FR" sz="3000" dirty="0"/>
-          </a:p>
-          <a:p>
-            <a:pPr marL="457200" lvl="0" indent="-457200" algn="r" rtl="1">
-              <a:buFont typeface="Arial" panose="020B0604020202020204" pitchFamily="34" charset="0"/>
-              <a:buChar char="•"/>
-            </a:pPr>
-            <a:r>
-              <a:rPr lang="ar-DZ" sz="3000" dirty="0"/>
-              <a:t>للخروج من الوضع "العرض الكامل" نضغط على المفتاح </a:t>
-            </a:r>
-            <a:r>
-              <a:rPr lang="fr-FR" sz="3000" dirty="0" err="1"/>
-              <a:t>Echap</a:t>
-            </a:r>
-            <a:endParaRPr lang="fr-FR" sz="3000" dirty="0"/>
-          </a:p>
-        </p:txBody>
-      </p:sp>
+              <a:t>لبنات القلم : </a:t>
+            </a:r>
+          </a:p>
+        </p:txBody>
+      </p:sp>
+      <p:pic>
+        <p:nvPicPr>
+          <p:cNvPr id="5" name="Image 4"/>
+          <p:cNvPicPr>
+            <a:picLocks noChangeAspect="1"/>
+          </p:cNvPicPr>
+          <p:nvPr/>
+        </p:nvPicPr>
+        <p:blipFill>
+          <a:blip r:embed="rId3">
+            <a:extLst>
+              <a:ext uri="{28A0092B-C50C-407E-A947-70E740481C1C}">
+                <a14:useLocalDpi xmlns:a14="http://schemas.microsoft.com/office/drawing/2010/main" val="0"/>
+              </a:ext>
+            </a:extLst>
+          </a:blip>
+          <a:stretch>
+            <a:fillRect/>
+          </a:stretch>
+        </p:blipFill>
+        <p:spPr>
+          <a:xfrm>
+            <a:off x="175364" y="274085"/>
+            <a:ext cx="9589163" cy="6227744"/>
+          </a:xfrm>
+          <a:prstGeom prst="rect">
+            <a:avLst/>
+          </a:prstGeom>
+        </p:spPr>
+      </p:pic>
     </p:spTree>
     <p:extLst>
       <p:ext uri="{BB962C8B-B14F-4D97-AF65-F5344CB8AC3E}">
@@ -5075,7 +5459,7 @@
 </p:sld>
 </file>
 
-<file path=ppt/slides/slide6.xml><?xml version="1.0" encoding="utf-8"?>
+<file path=ppt/slides/slide7.xml><?xml version="1.0" encoding="utf-8"?>
 <p:sld xmlns:a="http://schemas.openxmlformats.org/drawingml/2006/main" xmlns:r="http://schemas.openxmlformats.org/officeDocument/2006/relationships" xmlns:p="http://schemas.openxmlformats.org/presentationml/2006/main">
   <p:cSld>
     <p:spTree>
@@ -5316,7 +5700,7 @@
         <p:spPr>
           <a:xfrm>
             <a:off x="188686" y="918711"/>
-            <a:ext cx="11698515" cy="4652236"/>
+            <a:ext cx="11698515" cy="5117106"/>
           </a:xfrm>
           <a:prstGeom prst="rect">
             <a:avLst/>
@@ -5328,6 +5712,78 @@
             <a:spAutoFit/>
           </a:bodyPr>
           <a:lstStyle/>
+          <a:p>
+            <a:pPr algn="r"/>
+            <a:r>
+              <a:rPr lang="ar-DZ" sz="3600" dirty="0">
+                <a:cs typeface="+mj-cs"/>
+              </a:rPr>
+              <a:t>حاول إنشاء المقطع البرمجي الذي يسمح برسم مربع، سمك القلم : 3، لون ضلعه أحمر، </a:t>
+            </a:r>
+          </a:p>
+          <a:p>
+            <a:pPr algn="r"/>
+            <a:r>
+              <a:rPr lang="ar-DZ" sz="3600" dirty="0">
+                <a:cs typeface="+mj-cs"/>
+              </a:rPr>
+              <a:t>يبدأ الرسم في الموضع س : 100 ، ص : 100 . </a:t>
+            </a:r>
+            <a:endParaRPr lang="fr-FR" sz="3600" dirty="0" smtClean="0">
+              <a:cs typeface="+mj-cs"/>
+            </a:endParaRPr>
+          </a:p>
+          <a:p>
+            <a:pPr algn="r"/>
+            <a:endParaRPr lang="ar-DZ" sz="3600" dirty="0">
+              <a:cs typeface="+mj-cs"/>
+            </a:endParaRPr>
+          </a:p>
+          <a:p>
+            <a:pPr algn="r"/>
+            <a:r>
+              <a:rPr lang="ar-DZ" sz="3600" dirty="0">
+                <a:cs typeface="+mj-cs"/>
+              </a:rPr>
+              <a:t>ملاحظة : تستخدم لبنة </a:t>
+            </a:r>
+            <a:endParaRPr lang="fr-FR" sz="3600" dirty="0" smtClean="0">
+              <a:cs typeface="+mj-cs"/>
+            </a:endParaRPr>
+          </a:p>
+          <a:p>
+            <a:pPr algn="r"/>
+            <a:endParaRPr lang="fr-FR" sz="3600" dirty="0">
+              <a:cs typeface="+mj-cs"/>
+            </a:endParaRPr>
+          </a:p>
+          <a:p>
+            <a:pPr algn="r"/>
+            <a:endParaRPr lang="ar-DZ" sz="3600" dirty="0">
+              <a:cs typeface="+mj-cs"/>
+            </a:endParaRPr>
+          </a:p>
+          <a:p>
+            <a:pPr algn="r"/>
+            <a:r>
+              <a:rPr lang="ar-DZ" sz="3600" dirty="0">
+                <a:cs typeface="+mj-cs"/>
+              </a:rPr>
+              <a:t>تستخدم </a:t>
+            </a:r>
+            <a:r>
+              <a:rPr lang="ar-DZ" sz="3600" dirty="0" smtClean="0">
+                <a:cs typeface="+mj-cs"/>
+              </a:rPr>
+              <a:t>لبنة                                                           04 </a:t>
+            </a:r>
+            <a:r>
+              <a:rPr lang="ar-DZ" sz="3600" dirty="0">
+                <a:cs typeface="+mj-cs"/>
+              </a:rPr>
+              <a:t>مرات. </a:t>
+            </a:r>
+          </a:p>
           <a:p>
             <a:pPr lvl="0" algn="r" rtl="1">
               <a:lnSpc>
@@ -5337,243 +5793,6 @@
                 <a:spcPts val="800"/>
               </a:spcAft>
             </a:pPr>
-            <a:r>
-              <a:rPr lang="ar-DZ" sz="3600" dirty="0">
-                <a:latin typeface="Calibri" panose="020F0502020204030204" pitchFamily="34" charset="0"/>
-                <a:ea typeface="Calibri" panose="020F0502020204030204" pitchFamily="34" charset="0"/>
-                <a:cs typeface="+mj-cs"/>
-              </a:rPr>
-              <a:t>1.	افتح ملف </a:t>
-            </a:r>
-            <a:r>
-              <a:rPr lang="fr-FR" sz="3600" b="1" dirty="0" smtClean="0">
-                <a:latin typeface="Calibri" panose="020F0502020204030204" pitchFamily="34" charset="0"/>
-                <a:ea typeface="Calibri" panose="020F0502020204030204" pitchFamily="34" charset="0"/>
-                <a:cs typeface="+mj-cs"/>
-              </a:rPr>
-              <a:t>.</a:t>
-            </a:r>
-            <a:r>
-              <a:rPr lang="fr-FR" sz="3600" b="1" dirty="0" err="1" smtClean="0">
-                <a:latin typeface="Calibri" panose="020F0502020204030204" pitchFamily="34" charset="0"/>
-                <a:ea typeface="Calibri" panose="020F0502020204030204" pitchFamily="34" charset="0"/>
-                <a:cs typeface="+mj-cs"/>
-              </a:rPr>
-              <a:t>pptx</a:t>
-            </a:r>
-            <a:r>
-              <a:rPr lang="ar-DZ" sz="3600" b="1" dirty="0">
-                <a:latin typeface="Calibri" panose="020F0502020204030204" pitchFamily="34" charset="0"/>
-                <a:ea typeface="Calibri" panose="020F0502020204030204" pitchFamily="34" charset="0"/>
-                <a:cs typeface="+mj-cs"/>
-              </a:rPr>
-              <a:t>حيوانات الغابة </a:t>
-            </a:r>
-            <a:r>
-              <a:rPr lang="ar-DZ" sz="3600" dirty="0">
-                <a:latin typeface="Calibri" panose="020F0502020204030204" pitchFamily="34" charset="0"/>
-                <a:ea typeface="Calibri" panose="020F0502020204030204" pitchFamily="34" charset="0"/>
-                <a:cs typeface="+mj-cs"/>
-              </a:rPr>
-              <a:t>المتواجد على سطح المكتب</a:t>
-            </a:r>
-          </a:p>
-          <a:p>
-            <a:pPr lvl="0" algn="r" rtl="1">
-              <a:lnSpc>
-                <a:spcPct val="107000"/>
-              </a:lnSpc>
-              <a:spcAft>
-                <a:spcPts val="800"/>
-              </a:spcAft>
-            </a:pPr>
-            <a:r>
-              <a:rPr lang="ar-DZ" sz="3600" dirty="0">
-                <a:latin typeface="Calibri" panose="020F0502020204030204" pitchFamily="34" charset="0"/>
-                <a:ea typeface="Calibri" panose="020F0502020204030204" pitchFamily="34" charset="0"/>
-                <a:cs typeface="+mj-cs"/>
-              </a:rPr>
-              <a:t>2.	قم بإضافة تأثيرات </a:t>
-            </a:r>
-            <a:r>
-              <a:rPr lang="ar-DZ" sz="3600" dirty="0" err="1">
-                <a:latin typeface="Calibri" panose="020F0502020204030204" pitchFamily="34" charset="0"/>
-                <a:ea typeface="Calibri" panose="020F0502020204030204" pitchFamily="34" charset="0"/>
-                <a:cs typeface="+mj-cs"/>
-              </a:rPr>
-              <a:t>الإنتقال</a:t>
-            </a:r>
-            <a:r>
-              <a:rPr lang="ar-DZ" sz="3600" dirty="0">
-                <a:latin typeface="Calibri" panose="020F0502020204030204" pitchFamily="34" charset="0"/>
-                <a:ea typeface="Calibri" panose="020F0502020204030204" pitchFamily="34" charset="0"/>
-                <a:cs typeface="+mj-cs"/>
-              </a:rPr>
-              <a:t> من شريحة لأخرى من اختيارك لجميع الشرائح</a:t>
-            </a:r>
-          </a:p>
-          <a:p>
-            <a:pPr lvl="0" algn="r" rtl="1">
-              <a:lnSpc>
-                <a:spcPct val="107000"/>
-              </a:lnSpc>
-              <a:spcAft>
-                <a:spcPts val="800"/>
-              </a:spcAft>
-            </a:pPr>
-            <a:r>
-              <a:rPr lang="ar-DZ" sz="3600" dirty="0">
-                <a:latin typeface="Calibri" panose="020F0502020204030204" pitchFamily="34" charset="0"/>
-                <a:ea typeface="Calibri" panose="020F0502020204030204" pitchFamily="34" charset="0"/>
-                <a:cs typeface="+mj-cs"/>
-              </a:rPr>
-              <a:t>3.	قم بعملية الحفظ من نوع </a:t>
-            </a:r>
-            <a:r>
-              <a:rPr lang="fr-FR" sz="3600" dirty="0">
-                <a:latin typeface="Calibri" panose="020F0502020204030204" pitchFamily="34" charset="0"/>
-                <a:ea typeface="Calibri" panose="020F0502020204030204" pitchFamily="34" charset="0"/>
-                <a:cs typeface="+mj-cs"/>
-              </a:rPr>
-              <a:t>Diaporama </a:t>
-            </a:r>
-            <a:r>
-              <a:rPr lang="fr-FR" sz="3600" dirty="0" smtClean="0">
-                <a:latin typeface="Calibri" panose="020F0502020204030204" pitchFamily="34" charset="0"/>
-                <a:ea typeface="Calibri" panose="020F0502020204030204" pitchFamily="34" charset="0"/>
-                <a:cs typeface="+mj-cs"/>
-              </a:rPr>
-              <a:t>PowerPoint </a:t>
-            </a:r>
-            <a:r>
-              <a:rPr lang="ar-DZ" sz="3600" dirty="0" smtClean="0">
-                <a:latin typeface="Calibri" panose="020F0502020204030204" pitchFamily="34" charset="0"/>
-                <a:ea typeface="Calibri" panose="020F0502020204030204" pitchFamily="34" charset="0"/>
-                <a:cs typeface="+mj-cs"/>
-              </a:rPr>
-              <a:t> تحت </a:t>
-            </a:r>
-            <a:r>
-              <a:rPr lang="ar-DZ" sz="3600" dirty="0">
-                <a:latin typeface="Calibri" panose="020F0502020204030204" pitchFamily="34" charset="0"/>
-                <a:ea typeface="Calibri" panose="020F0502020204030204" pitchFamily="34" charset="0"/>
-                <a:cs typeface="+mj-cs"/>
-              </a:rPr>
-              <a:t>أسمك ثم أعد فتح </a:t>
-            </a:r>
-            <a:r>
-              <a:rPr lang="ar-DZ" sz="3600" dirty="0" smtClean="0">
-                <a:latin typeface="Calibri" panose="020F0502020204030204" pitchFamily="34" charset="0"/>
-                <a:ea typeface="Calibri" panose="020F0502020204030204" pitchFamily="34" charset="0"/>
-                <a:cs typeface="+mj-cs"/>
-              </a:rPr>
-              <a:t>الملف ؟ </a:t>
-            </a:r>
-            <a:endParaRPr lang="ar-DZ" sz="3600" dirty="0">
-              <a:latin typeface="Calibri" panose="020F0502020204030204" pitchFamily="34" charset="0"/>
-              <a:ea typeface="Calibri" panose="020F0502020204030204" pitchFamily="34" charset="0"/>
-              <a:cs typeface="+mj-cs"/>
-            </a:endParaRPr>
-          </a:p>
-          <a:p>
-            <a:pPr lvl="0" algn="r" rtl="1">
-              <a:lnSpc>
-                <a:spcPct val="107000"/>
-              </a:lnSpc>
-              <a:spcAft>
-                <a:spcPts val="800"/>
-              </a:spcAft>
-            </a:pPr>
-            <a:r>
-              <a:rPr lang="ar-DZ" sz="3600" dirty="0">
-                <a:latin typeface="Calibri" panose="020F0502020204030204" pitchFamily="34" charset="0"/>
-                <a:ea typeface="Calibri" panose="020F0502020204030204" pitchFamily="34" charset="0"/>
-                <a:cs typeface="+mj-cs"/>
-              </a:rPr>
-              <a:t>4.	ماذا تلاحظ ؟</a:t>
-            </a:r>
-          </a:p>
-          <a:p>
-            <a:pPr lvl="0" algn="r" rtl="1">
-              <a:lnSpc>
-                <a:spcPct val="107000"/>
-              </a:lnSpc>
-              <a:spcAft>
-                <a:spcPts val="800"/>
-              </a:spcAft>
-            </a:pPr>
-            <a:r>
-              <a:rPr lang="ar-DZ" sz="3600" dirty="0">
-                <a:latin typeface="Calibri" panose="020F0502020204030204" pitchFamily="34" charset="0"/>
-                <a:ea typeface="Calibri" panose="020F0502020204030204" pitchFamily="34" charset="0"/>
-                <a:cs typeface="+mj-cs"/>
-              </a:rPr>
-              <a:t>5.	ما دور </a:t>
-            </a:r>
-            <a:r>
-              <a:rPr lang="ar-DZ" sz="3600" dirty="0" smtClean="0">
-                <a:latin typeface="Calibri" panose="020F0502020204030204" pitchFamily="34" charset="0"/>
-                <a:ea typeface="Calibri" panose="020F0502020204030204" pitchFamily="34" charset="0"/>
-                <a:cs typeface="+mj-cs"/>
-              </a:rPr>
-              <a:t>التعليمة</a:t>
-            </a:r>
-            <a:r>
-              <a:rPr lang="fr-FR" sz="3600" dirty="0" smtClean="0">
-                <a:latin typeface="Calibri" panose="020F0502020204030204" pitchFamily="34" charset="0"/>
-                <a:ea typeface="Calibri" panose="020F0502020204030204" pitchFamily="34" charset="0"/>
-                <a:cs typeface="+mj-cs"/>
-              </a:rPr>
-              <a:t>Appliquer </a:t>
-            </a:r>
-            <a:r>
-              <a:rPr lang="fr-FR" sz="3600" dirty="0">
-                <a:latin typeface="Calibri" panose="020F0502020204030204" pitchFamily="34" charset="0"/>
-                <a:ea typeface="Calibri" panose="020F0502020204030204" pitchFamily="34" charset="0"/>
-                <a:cs typeface="+mj-cs"/>
-              </a:rPr>
-              <a:t>partout </a:t>
-            </a:r>
-            <a:r>
-              <a:rPr lang="ar-DZ" sz="3600" dirty="0" smtClean="0">
-                <a:latin typeface="Calibri" panose="020F0502020204030204" pitchFamily="34" charset="0"/>
-                <a:ea typeface="Calibri" panose="020F0502020204030204" pitchFamily="34" charset="0"/>
-                <a:cs typeface="+mj-cs"/>
-              </a:rPr>
-              <a:t> الموجودة </a:t>
-            </a:r>
-            <a:r>
-              <a:rPr lang="ar-DZ" sz="3600" dirty="0">
-                <a:latin typeface="Calibri" panose="020F0502020204030204" pitchFamily="34" charset="0"/>
-                <a:ea typeface="Calibri" panose="020F0502020204030204" pitchFamily="34" charset="0"/>
-                <a:cs typeface="+mj-cs"/>
-              </a:rPr>
-              <a:t>في المجموعة </a:t>
-            </a:r>
-            <a:r>
-              <a:rPr lang="fr-FR" sz="3600" dirty="0">
-                <a:latin typeface="Calibri" panose="020F0502020204030204" pitchFamily="34" charset="0"/>
-                <a:ea typeface="Calibri" panose="020F0502020204030204" pitchFamily="34" charset="0"/>
-                <a:cs typeface="+mj-cs"/>
-              </a:rPr>
-              <a:t>Minutage </a:t>
-            </a:r>
-            <a:r>
-              <a:rPr lang="ar-DZ" sz="3600" dirty="0" smtClean="0">
-                <a:latin typeface="Calibri" panose="020F0502020204030204" pitchFamily="34" charset="0"/>
-                <a:ea typeface="Calibri" panose="020F0502020204030204" pitchFamily="34" charset="0"/>
-                <a:cs typeface="+mj-cs"/>
-              </a:rPr>
-              <a:t> </a:t>
-            </a:r>
-            <a:r>
-              <a:rPr lang="fr-FR" sz="3600" dirty="0" smtClean="0">
-                <a:latin typeface="Calibri" panose="020F0502020204030204" pitchFamily="34" charset="0"/>
-                <a:ea typeface="Calibri" panose="020F0502020204030204" pitchFamily="34" charset="0"/>
-                <a:cs typeface="+mj-cs"/>
-              </a:rPr>
-              <a:t>؟</a:t>
-            </a:r>
             <a:endParaRPr lang="fr-FR" sz="3600" dirty="0">
               <a:latin typeface="Calibri" panose="020F0502020204030204" pitchFamily="34" charset="0"/>
               <a:ea typeface="Calibri" panose="020F0502020204030204" pitchFamily="34" charset="0"/>
@@ -5582,6 +5801,78 @@
           </a:p>
         </p:txBody>
       </p:sp>
+      <p:pic>
+        <p:nvPicPr>
+          <p:cNvPr id="7" name="Image 6"/>
+          <p:cNvPicPr/>
+          <p:nvPr/>
+        </p:nvPicPr>
+        <p:blipFill>
+          <a:blip r:embed="rId2">
+            <a:extLst>
+              <a:ext uri="{28A0092B-C50C-407E-A947-70E740481C1C}">
+                <a14:useLocalDpi xmlns:a14="http://schemas.microsoft.com/office/drawing/2010/main" val="0"/>
+              </a:ext>
+            </a:extLst>
+          </a:blip>
+          <a:srcRect/>
+          <a:stretch>
+            <a:fillRect/>
+          </a:stretch>
+        </p:blipFill>
+        <p:spPr bwMode="auto">
+          <a:xfrm>
+            <a:off x="2808514" y="2958535"/>
+            <a:ext cx="5625094" cy="1037458"/>
+          </a:xfrm>
+          <a:prstGeom prst="rect">
+            <a:avLst/>
+          </a:prstGeom>
+          <a:noFill/>
+          <a:ln w="9525">
+            <a:noFill/>
+            <a:miter lim="800000"/>
+            <a:headEnd/>
+            <a:tailEnd/>
+          </a:ln>
+        </p:spPr>
+      </p:pic>
+      <p:pic>
+        <p:nvPicPr>
+          <p:cNvPr id="9" name="Image 8"/>
+          <p:cNvPicPr/>
+          <p:nvPr/>
+        </p:nvPicPr>
+        <p:blipFill>
+          <a:blip r:embed="rId3">
+            <a:extLst>
+              <a:ext uri="{28A0092B-C50C-407E-A947-70E740481C1C}">
+                <a14:useLocalDpi xmlns:a14="http://schemas.microsoft.com/office/drawing/2010/main" val="0"/>
+              </a:ext>
+            </a:extLst>
+          </a:blip>
+          <a:srcRect/>
+          <a:stretch>
+            <a:fillRect/>
+          </a:stretch>
+        </p:blipFill>
+        <p:spPr bwMode="auto">
+          <a:xfrm>
+            <a:off x="3605349" y="4488107"/>
+            <a:ext cx="6465525" cy="1096067"/>
+          </a:xfrm>
+          <a:prstGeom prst="rect">
+            <a:avLst/>
+          </a:prstGeom>
+          <a:noFill/>
+          <a:ln w="9525">
+            <a:noFill/>
+            <a:miter lim="800000"/>
+            <a:headEnd/>
+            <a:tailEnd/>
+          </a:ln>
+        </p:spPr>
+      </p:pic>
     </p:spTree>
     <p:extLst>
       <p:ext uri="{BB962C8B-B14F-4D97-AF65-F5344CB8AC3E}">
@@ -5602,6 +5893,66 @@
       </p:par>
     </p:tnLst>
   </p:timing>
+</p:sld>
+</file>
+
+<file path=ppt/slides/slide8.xml><?xml version="1.0" encoding="utf-8"?>
+<p:sld xmlns:a="http://schemas.openxmlformats.org/drawingml/2006/main" xmlns:r="http://schemas.openxmlformats.org/officeDocument/2006/relationships" xmlns:p="http://schemas.openxmlformats.org/presentationml/2006/main">
+  <p:cSld>
+    <p:spTree>
+      <p:nvGrpSpPr>
+        <p:cNvPr id="1" name=""/>
+        <p:cNvGrpSpPr/>
+        <p:nvPr/>
+      </p:nvGrpSpPr>
+      <p:grpSpPr>
+        <a:xfrm>
+          <a:off x="0" y="0"/>
+          <a:ext cx="0" cy="0"/>
+          <a:chOff x="0" y="0"/>
+          <a:chExt cx="0" cy="0"/>
+        </a:xfrm>
+      </p:grpSpPr>
+      <p:pic>
+        <p:nvPicPr>
+          <p:cNvPr id="4" name="Image 3"/>
+          <p:cNvPicPr>
+            <a:picLocks noChangeAspect="1"/>
+          </p:cNvPicPr>
+          <p:nvPr/>
+        </p:nvPicPr>
+        <p:blipFill>
+          <a:blip r:embed="rId2">
+            <a:extLst>
+              <a:ext uri="{28A0092B-C50C-407E-A947-70E740481C1C}">
+                <a14:useLocalDpi xmlns:a14="http://schemas.microsoft.com/office/drawing/2010/main" val="0"/>
+              </a:ext>
+            </a:extLst>
+          </a:blip>
+          <a:stretch>
+            <a:fillRect/>
+          </a:stretch>
+        </p:blipFill>
+        <p:spPr>
+          <a:xfrm>
+            <a:off x="3319397" y="0"/>
+            <a:ext cx="5248406" cy="6896539"/>
+          </a:xfrm>
+          <a:prstGeom prst="rect">
+            <a:avLst/>
+          </a:prstGeom>
+        </p:spPr>
+      </p:pic>
+    </p:spTree>
+    <p:extLst>
+      <p:ext uri="{BB962C8B-B14F-4D97-AF65-F5344CB8AC3E}">
+        <p14:creationId xmlns:p14="http://schemas.microsoft.com/office/powerpoint/2010/main" val="1531733227"/>
+      </p:ext>
+    </p:extLst>
+  </p:cSld>
+  <p:clrMapOvr>
+    <a:masterClrMapping/>
+  </p:clrMapOvr>
 </p:sld>
 </file>
 
